--- a/slides_v1.pptx
+++ b/slides_v1.pptx
@@ -19,6 +19,7 @@
     <p:sldId id="266" r:id="rId14"/>
     <p:sldId id="267" r:id="rId15"/>
     <p:sldId id="268" r:id="rId16"/>
+    <p:sldId id="269" r:id="rId17"/>
   </p:sldIdLst>
   <p:sldSz cx="10080625" cy="5670550"/>
   <p:notesSz cx="7772400" cy="10058400"/>
@@ -76,8 +77,8 @@
         </p:nvSpPr>
         <p:spPr>
           <a:xfrm>
-            <a:off x="504000" y="216000"/>
-            <a:ext cx="7019640" cy="935640"/>
+            <a:off x="504000" y="226080"/>
+            <a:ext cx="9072000" cy="946440"/>
           </a:xfrm>
           <a:prstGeom prst="rect">
             <a:avLst/>
@@ -86,10 +87,8 @@
         <p:txBody>
           <a:bodyPr lIns="0" rIns="0" tIns="0" bIns="0" anchor="ctr"/>
           <a:p>
-            <a:endParaRPr b="0" lang="en-US" sz="1800" spc="-1" strike="noStrike">
-              <a:solidFill>
-                <a:srgbClr val="000000"/>
-              </a:solidFill>
+            <a:pPr algn="ctr"/>
+            <a:endParaRPr b="0" lang="en-US" sz="4400" spc="-1" strike="noStrike">
               <a:latin typeface="Arial"/>
             </a:endParaRPr>
           </a:p>
@@ -107,8 +106,8 @@
         </p:nvSpPr>
         <p:spPr>
           <a:xfrm>
-            <a:off x="504000" y="1368000"/>
-            <a:ext cx="9071640" cy="1568160"/>
+            <a:off x="504000" y="1326600"/>
+            <a:ext cx="9072000" cy="1568520"/>
           </a:xfrm>
           <a:prstGeom prst="rect">
             <a:avLst/>
@@ -119,10 +118,7 @@
             <a:normAutofit/>
           </a:bodyPr>
           <a:p>
-            <a:endParaRPr b="0" lang="en-US" sz="2800" spc="-1" strike="noStrike">
-              <a:solidFill>
-                <a:srgbClr val="000000"/>
-              </a:solidFill>
+            <a:endParaRPr b="0" lang="en-US" sz="3200" spc="-1" strike="noStrike">
               <a:latin typeface="Arial"/>
             </a:endParaRPr>
           </a:p>
@@ -140,8 +136,8 @@
         </p:nvSpPr>
         <p:spPr>
           <a:xfrm>
-            <a:off x="504000" y="3085560"/>
-            <a:ext cx="9071640" cy="1568160"/>
+            <a:off x="504000" y="3044520"/>
+            <a:ext cx="9072000" cy="1568520"/>
           </a:xfrm>
           <a:prstGeom prst="rect">
             <a:avLst/>
@@ -152,10 +148,7 @@
             <a:normAutofit/>
           </a:bodyPr>
           <a:p>
-            <a:endParaRPr b="0" lang="en-US" sz="2800" spc="-1" strike="noStrike">
-              <a:solidFill>
-                <a:srgbClr val="000000"/>
-              </a:solidFill>
+            <a:endParaRPr b="0" lang="en-US" sz="3200" spc="-1" strike="noStrike">
               <a:latin typeface="Arial"/>
             </a:endParaRPr>
           </a:p>
@@ -195,8 +188,8 @@
         </p:nvSpPr>
         <p:spPr>
           <a:xfrm>
-            <a:off x="504000" y="216000"/>
-            <a:ext cx="7019640" cy="935640"/>
+            <a:off x="504000" y="226080"/>
+            <a:ext cx="9072000" cy="946440"/>
           </a:xfrm>
           <a:prstGeom prst="rect">
             <a:avLst/>
@@ -205,10 +198,8 @@
         <p:txBody>
           <a:bodyPr lIns="0" rIns="0" tIns="0" bIns="0" anchor="ctr"/>
           <a:p>
-            <a:endParaRPr b="0" lang="en-US" sz="1800" spc="-1" strike="noStrike">
-              <a:solidFill>
-                <a:srgbClr val="000000"/>
-              </a:solidFill>
+            <a:pPr algn="ctr"/>
+            <a:endParaRPr b="0" lang="en-US" sz="4400" spc="-1" strike="noStrike">
               <a:latin typeface="Arial"/>
             </a:endParaRPr>
           </a:p>
@@ -226,8 +217,8 @@
         </p:nvSpPr>
         <p:spPr>
           <a:xfrm>
-            <a:off x="504000" y="1368000"/>
-            <a:ext cx="4426920" cy="1568160"/>
+            <a:off x="504000" y="1326600"/>
+            <a:ext cx="4426920" cy="1568520"/>
           </a:xfrm>
           <a:prstGeom prst="rect">
             <a:avLst/>
@@ -238,10 +229,7 @@
             <a:normAutofit/>
           </a:bodyPr>
           <a:p>
-            <a:endParaRPr b="0" lang="en-US" sz="2800" spc="-1" strike="noStrike">
-              <a:solidFill>
-                <a:srgbClr val="000000"/>
-              </a:solidFill>
+            <a:endParaRPr b="0" lang="en-US" sz="3200" spc="-1" strike="noStrike">
               <a:latin typeface="Arial"/>
             </a:endParaRPr>
           </a:p>
@@ -259,8 +247,8 @@
         </p:nvSpPr>
         <p:spPr>
           <a:xfrm>
-            <a:off x="5152680" y="1368000"/>
-            <a:ext cx="4426920" cy="1568160"/>
+            <a:off x="5152680" y="1326600"/>
+            <a:ext cx="4426920" cy="1568520"/>
           </a:xfrm>
           <a:prstGeom prst="rect">
             <a:avLst/>
@@ -271,10 +259,7 @@
             <a:normAutofit/>
           </a:bodyPr>
           <a:p>
-            <a:endParaRPr b="0" lang="en-US" sz="2800" spc="-1" strike="noStrike">
-              <a:solidFill>
-                <a:srgbClr val="000000"/>
-              </a:solidFill>
+            <a:endParaRPr b="0" lang="en-US" sz="3200" spc="-1" strike="noStrike">
               <a:latin typeface="Arial"/>
             </a:endParaRPr>
           </a:p>
@@ -292,8 +277,8 @@
         </p:nvSpPr>
         <p:spPr>
           <a:xfrm>
-            <a:off x="504000" y="3085560"/>
-            <a:ext cx="4426920" cy="1568160"/>
+            <a:off x="504000" y="3044520"/>
+            <a:ext cx="4426920" cy="1568520"/>
           </a:xfrm>
           <a:prstGeom prst="rect">
             <a:avLst/>
@@ -304,10 +289,7 @@
             <a:normAutofit/>
           </a:bodyPr>
           <a:p>
-            <a:endParaRPr b="0" lang="en-US" sz="2800" spc="-1" strike="noStrike">
-              <a:solidFill>
-                <a:srgbClr val="000000"/>
-              </a:solidFill>
+            <a:endParaRPr b="0" lang="en-US" sz="3200" spc="-1" strike="noStrike">
               <a:latin typeface="Arial"/>
             </a:endParaRPr>
           </a:p>
@@ -325,8 +307,8 @@
         </p:nvSpPr>
         <p:spPr>
           <a:xfrm>
-            <a:off x="5152680" y="3085560"/>
-            <a:ext cx="4426920" cy="1568160"/>
+            <a:off x="5152680" y="3044520"/>
+            <a:ext cx="4426920" cy="1568520"/>
           </a:xfrm>
           <a:prstGeom prst="rect">
             <a:avLst/>
@@ -337,10 +319,7 @@
             <a:normAutofit/>
           </a:bodyPr>
           <a:p>
-            <a:endParaRPr b="0" lang="en-US" sz="2800" spc="-1" strike="noStrike">
-              <a:solidFill>
-                <a:srgbClr val="000000"/>
-              </a:solidFill>
+            <a:endParaRPr b="0" lang="en-US" sz="3200" spc="-1" strike="noStrike">
               <a:latin typeface="Arial"/>
             </a:endParaRPr>
           </a:p>
@@ -380,8 +359,8 @@
         </p:nvSpPr>
         <p:spPr>
           <a:xfrm>
-            <a:off x="504000" y="216000"/>
-            <a:ext cx="7019640" cy="935640"/>
+            <a:off x="504000" y="226080"/>
+            <a:ext cx="9072000" cy="946440"/>
           </a:xfrm>
           <a:prstGeom prst="rect">
             <a:avLst/>
@@ -390,10 +369,8 @@
         <p:txBody>
           <a:bodyPr lIns="0" rIns="0" tIns="0" bIns="0" anchor="ctr"/>
           <a:p>
-            <a:endParaRPr b="0" lang="en-US" sz="1800" spc="-1" strike="noStrike">
-              <a:solidFill>
-                <a:srgbClr val="000000"/>
-              </a:solidFill>
+            <a:pPr algn="ctr"/>
+            <a:endParaRPr b="0" lang="en-US" sz="4400" spc="-1" strike="noStrike">
               <a:latin typeface="Arial"/>
             </a:endParaRPr>
           </a:p>
@@ -411,8 +388,8 @@
         </p:nvSpPr>
         <p:spPr>
           <a:xfrm>
-            <a:off x="504000" y="1368000"/>
-            <a:ext cx="2920680" cy="1568160"/>
+            <a:off x="504000" y="1326600"/>
+            <a:ext cx="2921040" cy="1568520"/>
           </a:xfrm>
           <a:prstGeom prst="rect">
             <a:avLst/>
@@ -423,10 +400,7 @@
             <a:normAutofit/>
           </a:bodyPr>
           <a:p>
-            <a:endParaRPr b="0" lang="en-US" sz="2800" spc="-1" strike="noStrike">
-              <a:solidFill>
-                <a:srgbClr val="000000"/>
-              </a:solidFill>
+            <a:endParaRPr b="0" lang="en-US" sz="3200" spc="-1" strike="noStrike">
               <a:latin typeface="Arial"/>
             </a:endParaRPr>
           </a:p>
@@ -444,8 +418,8 @@
         </p:nvSpPr>
         <p:spPr>
           <a:xfrm>
-            <a:off x="3571200" y="1368000"/>
-            <a:ext cx="2920680" cy="1568160"/>
+            <a:off x="3571560" y="1326600"/>
+            <a:ext cx="2921040" cy="1568520"/>
           </a:xfrm>
           <a:prstGeom prst="rect">
             <a:avLst/>
@@ -456,10 +430,7 @@
             <a:normAutofit/>
           </a:bodyPr>
           <a:p>
-            <a:endParaRPr b="0" lang="en-US" sz="2800" spc="-1" strike="noStrike">
-              <a:solidFill>
-                <a:srgbClr val="000000"/>
-              </a:solidFill>
+            <a:endParaRPr b="0" lang="en-US" sz="3200" spc="-1" strike="noStrike">
               <a:latin typeface="Arial"/>
             </a:endParaRPr>
           </a:p>
@@ -477,8 +448,8 @@
         </p:nvSpPr>
         <p:spPr>
           <a:xfrm>
-            <a:off x="6638040" y="1368000"/>
-            <a:ext cx="2920680" cy="1568160"/>
+            <a:off x="6639120" y="1326600"/>
+            <a:ext cx="2921040" cy="1568520"/>
           </a:xfrm>
           <a:prstGeom prst="rect">
             <a:avLst/>
@@ -489,10 +460,7 @@
             <a:normAutofit/>
           </a:bodyPr>
           <a:p>
-            <a:endParaRPr b="0" lang="en-US" sz="2800" spc="-1" strike="noStrike">
-              <a:solidFill>
-                <a:srgbClr val="000000"/>
-              </a:solidFill>
+            <a:endParaRPr b="0" lang="en-US" sz="3200" spc="-1" strike="noStrike">
               <a:latin typeface="Arial"/>
             </a:endParaRPr>
           </a:p>
@@ -510,8 +478,8 @@
         </p:nvSpPr>
         <p:spPr>
           <a:xfrm>
-            <a:off x="504000" y="3085560"/>
-            <a:ext cx="2920680" cy="1568160"/>
+            <a:off x="504000" y="3044520"/>
+            <a:ext cx="2921040" cy="1568520"/>
           </a:xfrm>
           <a:prstGeom prst="rect">
             <a:avLst/>
@@ -522,10 +490,7 @@
             <a:normAutofit/>
           </a:bodyPr>
           <a:p>
-            <a:endParaRPr b="0" lang="en-US" sz="2800" spc="-1" strike="noStrike">
-              <a:solidFill>
-                <a:srgbClr val="000000"/>
-              </a:solidFill>
+            <a:endParaRPr b="0" lang="en-US" sz="3200" spc="-1" strike="noStrike">
               <a:latin typeface="Arial"/>
             </a:endParaRPr>
           </a:p>
@@ -543,8 +508,8 @@
         </p:nvSpPr>
         <p:spPr>
           <a:xfrm>
-            <a:off x="3571200" y="3085560"/>
-            <a:ext cx="2920680" cy="1568160"/>
+            <a:off x="3571560" y="3044520"/>
+            <a:ext cx="2921040" cy="1568520"/>
           </a:xfrm>
           <a:prstGeom prst="rect">
             <a:avLst/>
@@ -555,10 +520,7 @@
             <a:normAutofit/>
           </a:bodyPr>
           <a:p>
-            <a:endParaRPr b="0" lang="en-US" sz="2800" spc="-1" strike="noStrike">
-              <a:solidFill>
-                <a:srgbClr val="000000"/>
-              </a:solidFill>
+            <a:endParaRPr b="0" lang="en-US" sz="3200" spc="-1" strike="noStrike">
               <a:latin typeface="Arial"/>
             </a:endParaRPr>
           </a:p>
@@ -576,8 +538,8 @@
         </p:nvSpPr>
         <p:spPr>
           <a:xfrm>
-            <a:off x="6638040" y="3085560"/>
-            <a:ext cx="2920680" cy="1568160"/>
+            <a:off x="6639120" y="3044520"/>
+            <a:ext cx="2921040" cy="1568520"/>
           </a:xfrm>
           <a:prstGeom prst="rect">
             <a:avLst/>
@@ -588,10 +550,7 @@
             <a:normAutofit/>
           </a:bodyPr>
           <a:p>
-            <a:endParaRPr b="0" lang="en-US" sz="2800" spc="-1" strike="noStrike">
-              <a:solidFill>
-                <a:srgbClr val="000000"/>
-              </a:solidFill>
+            <a:endParaRPr b="0" lang="en-US" sz="3200" spc="-1" strike="noStrike">
               <a:latin typeface="Arial"/>
             </a:endParaRPr>
           </a:p>
@@ -653,8 +612,8 @@
         </p:nvSpPr>
         <p:spPr>
           <a:xfrm>
-            <a:off x="504000" y="216000"/>
-            <a:ext cx="7019640" cy="935640"/>
+            <a:off x="504000" y="226080"/>
+            <a:ext cx="9072000" cy="946440"/>
           </a:xfrm>
           <a:prstGeom prst="rect">
             <a:avLst/>
@@ -663,10 +622,8 @@
         <p:txBody>
           <a:bodyPr lIns="0" rIns="0" tIns="0" bIns="0" anchor="ctr"/>
           <a:p>
-            <a:endParaRPr b="0" lang="en-US" sz="1800" spc="-1" strike="noStrike">
-              <a:solidFill>
-                <a:srgbClr val="000000"/>
-              </a:solidFill>
+            <a:pPr algn="ctr"/>
+            <a:endParaRPr b="0" lang="en-US" sz="4400" spc="-1" strike="noStrike">
               <a:latin typeface="Arial"/>
             </a:endParaRPr>
           </a:p>
@@ -684,8 +641,8 @@
         </p:nvSpPr>
         <p:spPr>
           <a:xfrm>
-            <a:off x="504000" y="1368000"/>
-            <a:ext cx="9071640" cy="3287880"/>
+            <a:off x="504000" y="1326600"/>
+            <a:ext cx="9072000" cy="3288600"/>
           </a:xfrm>
           <a:prstGeom prst="rect">
             <a:avLst/>
@@ -735,8 +692,8 @@
         </p:nvSpPr>
         <p:spPr>
           <a:xfrm>
-            <a:off x="504000" y="216000"/>
-            <a:ext cx="7019640" cy="935640"/>
+            <a:off x="504000" y="226080"/>
+            <a:ext cx="9072000" cy="946440"/>
           </a:xfrm>
           <a:prstGeom prst="rect">
             <a:avLst/>
@@ -745,10 +702,8 @@
         <p:txBody>
           <a:bodyPr lIns="0" rIns="0" tIns="0" bIns="0" anchor="ctr"/>
           <a:p>
-            <a:endParaRPr b="0" lang="en-US" sz="1800" spc="-1" strike="noStrike">
-              <a:solidFill>
-                <a:srgbClr val="000000"/>
-              </a:solidFill>
+            <a:pPr algn="ctr"/>
+            <a:endParaRPr b="0" lang="en-US" sz="4400" spc="-1" strike="noStrike">
               <a:latin typeface="Arial"/>
             </a:endParaRPr>
           </a:p>
@@ -766,8 +721,8 @@
         </p:nvSpPr>
         <p:spPr>
           <a:xfrm>
-            <a:off x="504000" y="1368000"/>
-            <a:ext cx="9071640" cy="3287880"/>
+            <a:off x="504000" y="1326600"/>
+            <a:ext cx="9072000" cy="3288600"/>
           </a:xfrm>
           <a:prstGeom prst="rect">
             <a:avLst/>
@@ -778,10 +733,7 @@
             <a:normAutofit/>
           </a:bodyPr>
           <a:p>
-            <a:endParaRPr b="0" lang="en-US" sz="2800" spc="-1" strike="noStrike">
-              <a:solidFill>
-                <a:srgbClr val="000000"/>
-              </a:solidFill>
+            <a:endParaRPr b="0" lang="en-US" sz="3200" spc="-1" strike="noStrike">
               <a:latin typeface="Arial"/>
             </a:endParaRPr>
           </a:p>
@@ -821,8 +773,8 @@
         </p:nvSpPr>
         <p:spPr>
           <a:xfrm>
-            <a:off x="504000" y="216000"/>
-            <a:ext cx="7019640" cy="935640"/>
+            <a:off x="504000" y="226080"/>
+            <a:ext cx="9072000" cy="946440"/>
           </a:xfrm>
           <a:prstGeom prst="rect">
             <a:avLst/>
@@ -831,10 +783,8 @@
         <p:txBody>
           <a:bodyPr lIns="0" rIns="0" tIns="0" bIns="0" anchor="ctr"/>
           <a:p>
-            <a:endParaRPr b="0" lang="en-US" sz="1800" spc="-1" strike="noStrike">
-              <a:solidFill>
-                <a:srgbClr val="000000"/>
-              </a:solidFill>
+            <a:pPr algn="ctr"/>
+            <a:endParaRPr b="0" lang="en-US" sz="4400" spc="-1" strike="noStrike">
               <a:latin typeface="Arial"/>
             </a:endParaRPr>
           </a:p>
@@ -852,8 +802,8 @@
         </p:nvSpPr>
         <p:spPr>
           <a:xfrm>
-            <a:off x="504000" y="1368000"/>
-            <a:ext cx="4426920" cy="3287880"/>
+            <a:off x="504000" y="1326600"/>
+            <a:ext cx="4426920" cy="3288600"/>
           </a:xfrm>
           <a:prstGeom prst="rect">
             <a:avLst/>
@@ -864,10 +814,7 @@
             <a:normAutofit/>
           </a:bodyPr>
           <a:p>
-            <a:endParaRPr b="0" lang="en-US" sz="2800" spc="-1" strike="noStrike">
-              <a:solidFill>
-                <a:srgbClr val="000000"/>
-              </a:solidFill>
+            <a:endParaRPr b="0" lang="en-US" sz="3200" spc="-1" strike="noStrike">
               <a:latin typeface="Arial"/>
             </a:endParaRPr>
           </a:p>
@@ -885,8 +832,8 @@
         </p:nvSpPr>
         <p:spPr>
           <a:xfrm>
-            <a:off x="5152680" y="1368000"/>
-            <a:ext cx="4426920" cy="3287880"/>
+            <a:off x="5152680" y="1326600"/>
+            <a:ext cx="4426920" cy="3288600"/>
           </a:xfrm>
           <a:prstGeom prst="rect">
             <a:avLst/>
@@ -897,10 +844,7 @@
             <a:normAutofit/>
           </a:bodyPr>
           <a:p>
-            <a:endParaRPr b="0" lang="en-US" sz="2800" spc="-1" strike="noStrike">
-              <a:solidFill>
-                <a:srgbClr val="000000"/>
-              </a:solidFill>
+            <a:endParaRPr b="0" lang="en-US" sz="3200" spc="-1" strike="noStrike">
               <a:latin typeface="Arial"/>
             </a:endParaRPr>
           </a:p>
@@ -940,8 +884,8 @@
         </p:nvSpPr>
         <p:spPr>
           <a:xfrm>
-            <a:off x="504000" y="216000"/>
-            <a:ext cx="7019640" cy="935640"/>
+            <a:off x="504000" y="226080"/>
+            <a:ext cx="9072000" cy="946440"/>
           </a:xfrm>
           <a:prstGeom prst="rect">
             <a:avLst/>
@@ -950,10 +894,8 @@
         <p:txBody>
           <a:bodyPr lIns="0" rIns="0" tIns="0" bIns="0" anchor="ctr"/>
           <a:p>
-            <a:endParaRPr b="0" lang="en-US" sz="1800" spc="-1" strike="noStrike">
-              <a:solidFill>
-                <a:srgbClr val="000000"/>
-              </a:solidFill>
+            <a:pPr algn="ctr"/>
+            <a:endParaRPr b="0" lang="en-US" sz="4400" spc="-1" strike="noStrike">
               <a:latin typeface="Arial"/>
             </a:endParaRPr>
           </a:p>
@@ -993,8 +935,8 @@
         </p:nvSpPr>
         <p:spPr>
           <a:xfrm>
-            <a:off x="504000" y="216000"/>
-            <a:ext cx="7019640" cy="4338360"/>
+            <a:off x="504000" y="226080"/>
+            <a:ext cx="9072000" cy="4388400"/>
           </a:xfrm>
           <a:prstGeom prst="rect">
             <a:avLst/>
@@ -1044,8 +986,8 @@
         </p:nvSpPr>
         <p:spPr>
           <a:xfrm>
-            <a:off x="504000" y="216000"/>
-            <a:ext cx="7019640" cy="935640"/>
+            <a:off x="504000" y="226080"/>
+            <a:ext cx="9072000" cy="946440"/>
           </a:xfrm>
           <a:prstGeom prst="rect">
             <a:avLst/>
@@ -1054,10 +996,8 @@
         <p:txBody>
           <a:bodyPr lIns="0" rIns="0" tIns="0" bIns="0" anchor="ctr"/>
           <a:p>
-            <a:endParaRPr b="0" lang="en-US" sz="1800" spc="-1" strike="noStrike">
-              <a:solidFill>
-                <a:srgbClr val="000000"/>
-              </a:solidFill>
+            <a:pPr algn="ctr"/>
+            <a:endParaRPr b="0" lang="en-US" sz="4400" spc="-1" strike="noStrike">
               <a:latin typeface="Arial"/>
             </a:endParaRPr>
           </a:p>
@@ -1075,8 +1015,8 @@
         </p:nvSpPr>
         <p:spPr>
           <a:xfrm>
-            <a:off x="504000" y="1368000"/>
-            <a:ext cx="4426920" cy="1568160"/>
+            <a:off x="504000" y="1326600"/>
+            <a:ext cx="4426920" cy="1568520"/>
           </a:xfrm>
           <a:prstGeom prst="rect">
             <a:avLst/>
@@ -1087,10 +1027,7 @@
             <a:normAutofit/>
           </a:bodyPr>
           <a:p>
-            <a:endParaRPr b="0" lang="en-US" sz="2800" spc="-1" strike="noStrike">
-              <a:solidFill>
-                <a:srgbClr val="000000"/>
-              </a:solidFill>
+            <a:endParaRPr b="0" lang="en-US" sz="3200" spc="-1" strike="noStrike">
               <a:latin typeface="Arial"/>
             </a:endParaRPr>
           </a:p>
@@ -1108,8 +1045,8 @@
         </p:nvSpPr>
         <p:spPr>
           <a:xfrm>
-            <a:off x="5152680" y="1368000"/>
-            <a:ext cx="4426920" cy="3287880"/>
+            <a:off x="5152680" y="1326600"/>
+            <a:ext cx="4426920" cy="3288600"/>
           </a:xfrm>
           <a:prstGeom prst="rect">
             <a:avLst/>
@@ -1120,10 +1057,7 @@
             <a:normAutofit/>
           </a:bodyPr>
           <a:p>
-            <a:endParaRPr b="0" lang="en-US" sz="2800" spc="-1" strike="noStrike">
-              <a:solidFill>
-                <a:srgbClr val="000000"/>
-              </a:solidFill>
+            <a:endParaRPr b="0" lang="en-US" sz="3200" spc="-1" strike="noStrike">
               <a:latin typeface="Arial"/>
             </a:endParaRPr>
           </a:p>
@@ -1141,8 +1075,8 @@
         </p:nvSpPr>
         <p:spPr>
           <a:xfrm>
-            <a:off x="504000" y="3085560"/>
-            <a:ext cx="4426920" cy="1568160"/>
+            <a:off x="504000" y="3044520"/>
+            <a:ext cx="4426920" cy="1568520"/>
           </a:xfrm>
           <a:prstGeom prst="rect">
             <a:avLst/>
@@ -1153,10 +1087,7 @@
             <a:normAutofit/>
           </a:bodyPr>
           <a:p>
-            <a:endParaRPr b="0" lang="en-US" sz="2800" spc="-1" strike="noStrike">
-              <a:solidFill>
-                <a:srgbClr val="000000"/>
-              </a:solidFill>
+            <a:endParaRPr b="0" lang="en-US" sz="3200" spc="-1" strike="noStrike">
               <a:latin typeface="Arial"/>
             </a:endParaRPr>
           </a:p>
@@ -1196,8 +1127,8 @@
         </p:nvSpPr>
         <p:spPr>
           <a:xfrm>
-            <a:off x="504000" y="216000"/>
-            <a:ext cx="7019640" cy="935640"/>
+            <a:off x="504000" y="226080"/>
+            <a:ext cx="9072000" cy="946440"/>
           </a:xfrm>
           <a:prstGeom prst="rect">
             <a:avLst/>
@@ -1206,10 +1137,8 @@
         <p:txBody>
           <a:bodyPr lIns="0" rIns="0" tIns="0" bIns="0" anchor="ctr"/>
           <a:p>
-            <a:endParaRPr b="0" lang="en-US" sz="1800" spc="-1" strike="noStrike">
-              <a:solidFill>
-                <a:srgbClr val="000000"/>
-              </a:solidFill>
+            <a:pPr algn="ctr"/>
+            <a:endParaRPr b="0" lang="en-US" sz="4400" spc="-1" strike="noStrike">
               <a:latin typeface="Arial"/>
             </a:endParaRPr>
           </a:p>
@@ -1227,8 +1156,8 @@
         </p:nvSpPr>
         <p:spPr>
           <a:xfrm>
-            <a:off x="504000" y="1368000"/>
-            <a:ext cx="9071640" cy="3287880"/>
+            <a:off x="504000" y="1326600"/>
+            <a:ext cx="9072000" cy="3288600"/>
           </a:xfrm>
           <a:prstGeom prst="rect">
             <a:avLst/>
@@ -1278,8 +1207,8 @@
         </p:nvSpPr>
         <p:spPr>
           <a:xfrm>
-            <a:off x="504000" y="216000"/>
-            <a:ext cx="7019640" cy="935640"/>
+            <a:off x="504000" y="226080"/>
+            <a:ext cx="9072000" cy="946440"/>
           </a:xfrm>
           <a:prstGeom prst="rect">
             <a:avLst/>
@@ -1288,10 +1217,8 @@
         <p:txBody>
           <a:bodyPr lIns="0" rIns="0" tIns="0" bIns="0" anchor="ctr"/>
           <a:p>
-            <a:endParaRPr b="0" lang="en-US" sz="1800" spc="-1" strike="noStrike">
-              <a:solidFill>
-                <a:srgbClr val="000000"/>
-              </a:solidFill>
+            <a:pPr algn="ctr"/>
+            <a:endParaRPr b="0" lang="en-US" sz="4400" spc="-1" strike="noStrike">
               <a:latin typeface="Arial"/>
             </a:endParaRPr>
           </a:p>
@@ -1309,8 +1236,8 @@
         </p:nvSpPr>
         <p:spPr>
           <a:xfrm>
-            <a:off x="504000" y="1368000"/>
-            <a:ext cx="4426920" cy="3287880"/>
+            <a:off x="504000" y="1326600"/>
+            <a:ext cx="4426920" cy="3288600"/>
           </a:xfrm>
           <a:prstGeom prst="rect">
             <a:avLst/>
@@ -1321,10 +1248,7 @@
             <a:normAutofit/>
           </a:bodyPr>
           <a:p>
-            <a:endParaRPr b="0" lang="en-US" sz="2800" spc="-1" strike="noStrike">
-              <a:solidFill>
-                <a:srgbClr val="000000"/>
-              </a:solidFill>
+            <a:endParaRPr b="0" lang="en-US" sz="3200" spc="-1" strike="noStrike">
               <a:latin typeface="Arial"/>
             </a:endParaRPr>
           </a:p>
@@ -1342,8 +1266,8 @@
         </p:nvSpPr>
         <p:spPr>
           <a:xfrm>
-            <a:off x="5152680" y="1368000"/>
-            <a:ext cx="4426920" cy="1568160"/>
+            <a:off x="5152680" y="1326600"/>
+            <a:ext cx="4426920" cy="1568520"/>
           </a:xfrm>
           <a:prstGeom prst="rect">
             <a:avLst/>
@@ -1354,10 +1278,7 @@
             <a:normAutofit/>
           </a:bodyPr>
           <a:p>
-            <a:endParaRPr b="0" lang="en-US" sz="2800" spc="-1" strike="noStrike">
-              <a:solidFill>
-                <a:srgbClr val="000000"/>
-              </a:solidFill>
+            <a:endParaRPr b="0" lang="en-US" sz="3200" spc="-1" strike="noStrike">
               <a:latin typeface="Arial"/>
             </a:endParaRPr>
           </a:p>
@@ -1375,8 +1296,8 @@
         </p:nvSpPr>
         <p:spPr>
           <a:xfrm>
-            <a:off x="5152680" y="3085560"/>
-            <a:ext cx="4426920" cy="1568160"/>
+            <a:off x="5152680" y="3044520"/>
+            <a:ext cx="4426920" cy="1568520"/>
           </a:xfrm>
           <a:prstGeom prst="rect">
             <a:avLst/>
@@ -1387,10 +1308,7 @@
             <a:normAutofit/>
           </a:bodyPr>
           <a:p>
-            <a:endParaRPr b="0" lang="en-US" sz="2800" spc="-1" strike="noStrike">
-              <a:solidFill>
-                <a:srgbClr val="000000"/>
-              </a:solidFill>
+            <a:endParaRPr b="0" lang="en-US" sz="3200" spc="-1" strike="noStrike">
               <a:latin typeface="Arial"/>
             </a:endParaRPr>
           </a:p>
@@ -1430,8 +1348,8 @@
         </p:nvSpPr>
         <p:spPr>
           <a:xfrm>
-            <a:off x="504000" y="216000"/>
-            <a:ext cx="7019640" cy="935640"/>
+            <a:off x="504000" y="226080"/>
+            <a:ext cx="9072000" cy="946440"/>
           </a:xfrm>
           <a:prstGeom prst="rect">
             <a:avLst/>
@@ -1440,10 +1358,8 @@
         <p:txBody>
           <a:bodyPr lIns="0" rIns="0" tIns="0" bIns="0" anchor="ctr"/>
           <a:p>
-            <a:endParaRPr b="0" lang="en-US" sz="1800" spc="-1" strike="noStrike">
-              <a:solidFill>
-                <a:srgbClr val="000000"/>
-              </a:solidFill>
+            <a:pPr algn="ctr"/>
+            <a:endParaRPr b="0" lang="en-US" sz="4400" spc="-1" strike="noStrike">
               <a:latin typeface="Arial"/>
             </a:endParaRPr>
           </a:p>
@@ -1461,8 +1377,8 @@
         </p:nvSpPr>
         <p:spPr>
           <a:xfrm>
-            <a:off x="504000" y="1368000"/>
-            <a:ext cx="4426920" cy="1568160"/>
+            <a:off x="504000" y="1326600"/>
+            <a:ext cx="4426920" cy="1568520"/>
           </a:xfrm>
           <a:prstGeom prst="rect">
             <a:avLst/>
@@ -1473,10 +1389,7 @@
             <a:normAutofit/>
           </a:bodyPr>
           <a:p>
-            <a:endParaRPr b="0" lang="en-US" sz="2800" spc="-1" strike="noStrike">
-              <a:solidFill>
-                <a:srgbClr val="000000"/>
-              </a:solidFill>
+            <a:endParaRPr b="0" lang="en-US" sz="3200" spc="-1" strike="noStrike">
               <a:latin typeface="Arial"/>
             </a:endParaRPr>
           </a:p>
@@ -1494,8 +1407,8 @@
         </p:nvSpPr>
         <p:spPr>
           <a:xfrm>
-            <a:off x="5152680" y="1368000"/>
-            <a:ext cx="4426920" cy="1568160"/>
+            <a:off x="5152680" y="1326600"/>
+            <a:ext cx="4426920" cy="1568520"/>
           </a:xfrm>
           <a:prstGeom prst="rect">
             <a:avLst/>
@@ -1506,10 +1419,7 @@
             <a:normAutofit/>
           </a:bodyPr>
           <a:p>
-            <a:endParaRPr b="0" lang="en-US" sz="2800" spc="-1" strike="noStrike">
-              <a:solidFill>
-                <a:srgbClr val="000000"/>
-              </a:solidFill>
+            <a:endParaRPr b="0" lang="en-US" sz="3200" spc="-1" strike="noStrike">
               <a:latin typeface="Arial"/>
             </a:endParaRPr>
           </a:p>
@@ -1527,8 +1437,8 @@
         </p:nvSpPr>
         <p:spPr>
           <a:xfrm>
-            <a:off x="504000" y="3085560"/>
-            <a:ext cx="9071640" cy="1568160"/>
+            <a:off x="504000" y="3044520"/>
+            <a:ext cx="9072000" cy="1568520"/>
           </a:xfrm>
           <a:prstGeom prst="rect">
             <a:avLst/>
@@ -1539,10 +1449,7 @@
             <a:normAutofit/>
           </a:bodyPr>
           <a:p>
-            <a:endParaRPr b="0" lang="en-US" sz="2800" spc="-1" strike="noStrike">
-              <a:solidFill>
-                <a:srgbClr val="000000"/>
-              </a:solidFill>
+            <a:endParaRPr b="0" lang="en-US" sz="3200" spc="-1" strike="noStrike">
               <a:latin typeface="Arial"/>
             </a:endParaRPr>
           </a:p>
@@ -1582,8 +1489,8 @@
         </p:nvSpPr>
         <p:spPr>
           <a:xfrm>
-            <a:off x="504000" y="216000"/>
-            <a:ext cx="7019640" cy="935640"/>
+            <a:off x="504000" y="226080"/>
+            <a:ext cx="9072000" cy="946440"/>
           </a:xfrm>
           <a:prstGeom prst="rect">
             <a:avLst/>
@@ -1592,10 +1499,8 @@
         <p:txBody>
           <a:bodyPr lIns="0" rIns="0" tIns="0" bIns="0" anchor="ctr"/>
           <a:p>
-            <a:endParaRPr b="0" lang="en-US" sz="1800" spc="-1" strike="noStrike">
-              <a:solidFill>
-                <a:srgbClr val="000000"/>
-              </a:solidFill>
+            <a:pPr algn="ctr"/>
+            <a:endParaRPr b="0" lang="en-US" sz="4400" spc="-1" strike="noStrike">
               <a:latin typeface="Arial"/>
             </a:endParaRPr>
           </a:p>
@@ -1613,8 +1518,8 @@
         </p:nvSpPr>
         <p:spPr>
           <a:xfrm>
-            <a:off x="504000" y="1368000"/>
-            <a:ext cx="9071640" cy="1568160"/>
+            <a:off x="504000" y="1326600"/>
+            <a:ext cx="9072000" cy="1568520"/>
           </a:xfrm>
           <a:prstGeom prst="rect">
             <a:avLst/>
@@ -1625,10 +1530,7 @@
             <a:normAutofit/>
           </a:bodyPr>
           <a:p>
-            <a:endParaRPr b="0" lang="en-US" sz="2800" spc="-1" strike="noStrike">
-              <a:solidFill>
-                <a:srgbClr val="000000"/>
-              </a:solidFill>
+            <a:endParaRPr b="0" lang="en-US" sz="3200" spc="-1" strike="noStrike">
               <a:latin typeface="Arial"/>
             </a:endParaRPr>
           </a:p>
@@ -1646,8 +1548,8 @@
         </p:nvSpPr>
         <p:spPr>
           <a:xfrm>
-            <a:off x="504000" y="3085560"/>
-            <a:ext cx="9071640" cy="1568160"/>
+            <a:off x="504000" y="3044520"/>
+            <a:ext cx="9072000" cy="1568520"/>
           </a:xfrm>
           <a:prstGeom prst="rect">
             <a:avLst/>
@@ -1658,10 +1560,7 @@
             <a:normAutofit/>
           </a:bodyPr>
           <a:p>
-            <a:endParaRPr b="0" lang="en-US" sz="2800" spc="-1" strike="noStrike">
-              <a:solidFill>
-                <a:srgbClr val="000000"/>
-              </a:solidFill>
+            <a:endParaRPr b="0" lang="en-US" sz="3200" spc="-1" strike="noStrike">
               <a:latin typeface="Arial"/>
             </a:endParaRPr>
           </a:p>
@@ -1701,8 +1600,8 @@
         </p:nvSpPr>
         <p:spPr>
           <a:xfrm>
-            <a:off x="504000" y="216000"/>
-            <a:ext cx="7019640" cy="935640"/>
+            <a:off x="504000" y="226080"/>
+            <a:ext cx="9072000" cy="946440"/>
           </a:xfrm>
           <a:prstGeom prst="rect">
             <a:avLst/>
@@ -1711,10 +1610,8 @@
         <p:txBody>
           <a:bodyPr lIns="0" rIns="0" tIns="0" bIns="0" anchor="ctr"/>
           <a:p>
-            <a:endParaRPr b="0" lang="en-US" sz="1800" spc="-1" strike="noStrike">
-              <a:solidFill>
-                <a:srgbClr val="000000"/>
-              </a:solidFill>
+            <a:pPr algn="ctr"/>
+            <a:endParaRPr b="0" lang="en-US" sz="4400" spc="-1" strike="noStrike">
               <a:latin typeface="Arial"/>
             </a:endParaRPr>
           </a:p>
@@ -1732,8 +1629,8 @@
         </p:nvSpPr>
         <p:spPr>
           <a:xfrm>
-            <a:off x="504000" y="1368000"/>
-            <a:ext cx="4426920" cy="1568160"/>
+            <a:off x="504000" y="1326600"/>
+            <a:ext cx="4426920" cy="1568520"/>
           </a:xfrm>
           <a:prstGeom prst="rect">
             <a:avLst/>
@@ -1744,10 +1641,7 @@
             <a:normAutofit/>
           </a:bodyPr>
           <a:p>
-            <a:endParaRPr b="0" lang="en-US" sz="2800" spc="-1" strike="noStrike">
-              <a:solidFill>
-                <a:srgbClr val="000000"/>
-              </a:solidFill>
+            <a:endParaRPr b="0" lang="en-US" sz="3200" spc="-1" strike="noStrike">
               <a:latin typeface="Arial"/>
             </a:endParaRPr>
           </a:p>
@@ -1765,8 +1659,8 @@
         </p:nvSpPr>
         <p:spPr>
           <a:xfrm>
-            <a:off x="5152680" y="1368000"/>
-            <a:ext cx="4426920" cy="1568160"/>
+            <a:off x="5152680" y="1326600"/>
+            <a:ext cx="4426920" cy="1568520"/>
           </a:xfrm>
           <a:prstGeom prst="rect">
             <a:avLst/>
@@ -1777,10 +1671,7 @@
             <a:normAutofit/>
           </a:bodyPr>
           <a:p>
-            <a:endParaRPr b="0" lang="en-US" sz="2800" spc="-1" strike="noStrike">
-              <a:solidFill>
-                <a:srgbClr val="000000"/>
-              </a:solidFill>
+            <a:endParaRPr b="0" lang="en-US" sz="3200" spc="-1" strike="noStrike">
               <a:latin typeface="Arial"/>
             </a:endParaRPr>
           </a:p>
@@ -1798,8 +1689,8 @@
         </p:nvSpPr>
         <p:spPr>
           <a:xfrm>
-            <a:off x="504000" y="3085560"/>
-            <a:ext cx="4426920" cy="1568160"/>
+            <a:off x="504000" y="3044520"/>
+            <a:ext cx="4426920" cy="1568520"/>
           </a:xfrm>
           <a:prstGeom prst="rect">
             <a:avLst/>
@@ -1810,10 +1701,7 @@
             <a:normAutofit/>
           </a:bodyPr>
           <a:p>
-            <a:endParaRPr b="0" lang="en-US" sz="2800" spc="-1" strike="noStrike">
-              <a:solidFill>
-                <a:srgbClr val="000000"/>
-              </a:solidFill>
+            <a:endParaRPr b="0" lang="en-US" sz="3200" spc="-1" strike="noStrike">
               <a:latin typeface="Arial"/>
             </a:endParaRPr>
           </a:p>
@@ -1831,8 +1719,8 @@
         </p:nvSpPr>
         <p:spPr>
           <a:xfrm>
-            <a:off x="5152680" y="3085560"/>
-            <a:ext cx="4426920" cy="1568160"/>
+            <a:off x="5152680" y="3044520"/>
+            <a:ext cx="4426920" cy="1568520"/>
           </a:xfrm>
           <a:prstGeom prst="rect">
             <a:avLst/>
@@ -1843,10 +1731,7 @@
             <a:normAutofit/>
           </a:bodyPr>
           <a:p>
-            <a:endParaRPr b="0" lang="en-US" sz="2800" spc="-1" strike="noStrike">
-              <a:solidFill>
-                <a:srgbClr val="000000"/>
-              </a:solidFill>
+            <a:endParaRPr b="0" lang="en-US" sz="3200" spc="-1" strike="noStrike">
               <a:latin typeface="Arial"/>
             </a:endParaRPr>
           </a:p>
@@ -1886,8 +1771,8 @@
         </p:nvSpPr>
         <p:spPr>
           <a:xfrm>
-            <a:off x="504000" y="216000"/>
-            <a:ext cx="7019640" cy="935640"/>
+            <a:off x="504000" y="226080"/>
+            <a:ext cx="9072000" cy="946440"/>
           </a:xfrm>
           <a:prstGeom prst="rect">
             <a:avLst/>
@@ -1896,10 +1781,8 @@
         <p:txBody>
           <a:bodyPr lIns="0" rIns="0" tIns="0" bIns="0" anchor="ctr"/>
           <a:p>
-            <a:endParaRPr b="0" lang="en-US" sz="1800" spc="-1" strike="noStrike">
-              <a:solidFill>
-                <a:srgbClr val="000000"/>
-              </a:solidFill>
+            <a:pPr algn="ctr"/>
+            <a:endParaRPr b="0" lang="en-US" sz="4400" spc="-1" strike="noStrike">
               <a:latin typeface="Arial"/>
             </a:endParaRPr>
           </a:p>
@@ -1917,8 +1800,8 @@
         </p:nvSpPr>
         <p:spPr>
           <a:xfrm>
-            <a:off x="504000" y="1368000"/>
-            <a:ext cx="2920680" cy="1568160"/>
+            <a:off x="504000" y="1326600"/>
+            <a:ext cx="2921040" cy="1568520"/>
           </a:xfrm>
           <a:prstGeom prst="rect">
             <a:avLst/>
@@ -1929,10 +1812,7 @@
             <a:normAutofit/>
           </a:bodyPr>
           <a:p>
-            <a:endParaRPr b="0" lang="en-US" sz="2800" spc="-1" strike="noStrike">
-              <a:solidFill>
-                <a:srgbClr val="000000"/>
-              </a:solidFill>
+            <a:endParaRPr b="0" lang="en-US" sz="3200" spc="-1" strike="noStrike">
               <a:latin typeface="Arial"/>
             </a:endParaRPr>
           </a:p>
@@ -1950,8 +1830,8 @@
         </p:nvSpPr>
         <p:spPr>
           <a:xfrm>
-            <a:off x="3571200" y="1368000"/>
-            <a:ext cx="2920680" cy="1568160"/>
+            <a:off x="3571560" y="1326600"/>
+            <a:ext cx="2921040" cy="1568520"/>
           </a:xfrm>
           <a:prstGeom prst="rect">
             <a:avLst/>
@@ -1962,10 +1842,7 @@
             <a:normAutofit/>
           </a:bodyPr>
           <a:p>
-            <a:endParaRPr b="0" lang="en-US" sz="2800" spc="-1" strike="noStrike">
-              <a:solidFill>
-                <a:srgbClr val="000000"/>
-              </a:solidFill>
+            <a:endParaRPr b="0" lang="en-US" sz="3200" spc="-1" strike="noStrike">
               <a:latin typeface="Arial"/>
             </a:endParaRPr>
           </a:p>
@@ -1983,8 +1860,8 @@
         </p:nvSpPr>
         <p:spPr>
           <a:xfrm>
-            <a:off x="6638040" y="1368000"/>
-            <a:ext cx="2920680" cy="1568160"/>
+            <a:off x="6639120" y="1326600"/>
+            <a:ext cx="2921040" cy="1568520"/>
           </a:xfrm>
           <a:prstGeom prst="rect">
             <a:avLst/>
@@ -1995,10 +1872,7 @@
             <a:normAutofit/>
           </a:bodyPr>
           <a:p>
-            <a:endParaRPr b="0" lang="en-US" sz="2800" spc="-1" strike="noStrike">
-              <a:solidFill>
-                <a:srgbClr val="000000"/>
-              </a:solidFill>
+            <a:endParaRPr b="0" lang="en-US" sz="3200" spc="-1" strike="noStrike">
               <a:latin typeface="Arial"/>
             </a:endParaRPr>
           </a:p>
@@ -2016,8 +1890,8 @@
         </p:nvSpPr>
         <p:spPr>
           <a:xfrm>
-            <a:off x="504000" y="3085560"/>
-            <a:ext cx="2920680" cy="1568160"/>
+            <a:off x="504000" y="3044520"/>
+            <a:ext cx="2921040" cy="1568520"/>
           </a:xfrm>
           <a:prstGeom prst="rect">
             <a:avLst/>
@@ -2028,10 +1902,7 @@
             <a:normAutofit/>
           </a:bodyPr>
           <a:p>
-            <a:endParaRPr b="0" lang="en-US" sz="2800" spc="-1" strike="noStrike">
-              <a:solidFill>
-                <a:srgbClr val="000000"/>
-              </a:solidFill>
+            <a:endParaRPr b="0" lang="en-US" sz="3200" spc="-1" strike="noStrike">
               <a:latin typeface="Arial"/>
             </a:endParaRPr>
           </a:p>
@@ -2049,8 +1920,8 @@
         </p:nvSpPr>
         <p:spPr>
           <a:xfrm>
-            <a:off x="3571200" y="3085560"/>
-            <a:ext cx="2920680" cy="1568160"/>
+            <a:off x="3571560" y="3044520"/>
+            <a:ext cx="2921040" cy="1568520"/>
           </a:xfrm>
           <a:prstGeom prst="rect">
             <a:avLst/>
@@ -2061,10 +1932,7 @@
             <a:normAutofit/>
           </a:bodyPr>
           <a:p>
-            <a:endParaRPr b="0" lang="en-US" sz="2800" spc="-1" strike="noStrike">
-              <a:solidFill>
-                <a:srgbClr val="000000"/>
-              </a:solidFill>
+            <a:endParaRPr b="0" lang="en-US" sz="3200" spc="-1" strike="noStrike">
               <a:latin typeface="Arial"/>
             </a:endParaRPr>
           </a:p>
@@ -2082,8 +1950,8 @@
         </p:nvSpPr>
         <p:spPr>
           <a:xfrm>
-            <a:off x="6638040" y="3085560"/>
-            <a:ext cx="2920680" cy="1568160"/>
+            <a:off x="6639120" y="3044520"/>
+            <a:ext cx="2921040" cy="1568520"/>
           </a:xfrm>
           <a:prstGeom prst="rect">
             <a:avLst/>
@@ -2094,10 +1962,7 @@
             <a:normAutofit/>
           </a:bodyPr>
           <a:p>
-            <a:endParaRPr b="0" lang="en-US" sz="2800" spc="-1" strike="noStrike">
-              <a:solidFill>
-                <a:srgbClr val="000000"/>
-              </a:solidFill>
+            <a:endParaRPr b="0" lang="en-US" sz="3200" spc="-1" strike="noStrike">
               <a:latin typeface="Arial"/>
             </a:endParaRPr>
           </a:p>
@@ -2137,8 +2002,8 @@
         </p:nvSpPr>
         <p:spPr>
           <a:xfrm>
-            <a:off x="504000" y="216000"/>
-            <a:ext cx="7019640" cy="935640"/>
+            <a:off x="504000" y="226080"/>
+            <a:ext cx="9072000" cy="946440"/>
           </a:xfrm>
           <a:prstGeom prst="rect">
             <a:avLst/>
@@ -2147,10 +2012,8 @@
         <p:txBody>
           <a:bodyPr lIns="0" rIns="0" tIns="0" bIns="0" anchor="ctr"/>
           <a:p>
-            <a:endParaRPr b="0" lang="en-US" sz="1800" spc="-1" strike="noStrike">
-              <a:solidFill>
-                <a:srgbClr val="000000"/>
-              </a:solidFill>
+            <a:pPr algn="ctr"/>
+            <a:endParaRPr b="0" lang="en-US" sz="4400" spc="-1" strike="noStrike">
               <a:latin typeface="Arial"/>
             </a:endParaRPr>
           </a:p>
@@ -2168,8 +2031,8 @@
         </p:nvSpPr>
         <p:spPr>
           <a:xfrm>
-            <a:off x="504000" y="1368000"/>
-            <a:ext cx="9071640" cy="3287880"/>
+            <a:off x="504000" y="1326600"/>
+            <a:ext cx="9072000" cy="3288600"/>
           </a:xfrm>
           <a:prstGeom prst="rect">
             <a:avLst/>
@@ -2180,10 +2043,7 @@
             <a:normAutofit/>
           </a:bodyPr>
           <a:p>
-            <a:endParaRPr b="0" lang="en-US" sz="2800" spc="-1" strike="noStrike">
-              <a:solidFill>
-                <a:srgbClr val="000000"/>
-              </a:solidFill>
+            <a:endParaRPr b="0" lang="en-US" sz="3200" spc="-1" strike="noStrike">
               <a:latin typeface="Arial"/>
             </a:endParaRPr>
           </a:p>
@@ -2223,8 +2083,8 @@
         </p:nvSpPr>
         <p:spPr>
           <a:xfrm>
-            <a:off x="504000" y="216000"/>
-            <a:ext cx="7019640" cy="935640"/>
+            <a:off x="504000" y="226080"/>
+            <a:ext cx="9072000" cy="946440"/>
           </a:xfrm>
           <a:prstGeom prst="rect">
             <a:avLst/>
@@ -2233,10 +2093,8 @@
         <p:txBody>
           <a:bodyPr lIns="0" rIns="0" tIns="0" bIns="0" anchor="ctr"/>
           <a:p>
-            <a:endParaRPr b="0" lang="en-US" sz="1800" spc="-1" strike="noStrike">
-              <a:solidFill>
-                <a:srgbClr val="000000"/>
-              </a:solidFill>
+            <a:pPr algn="ctr"/>
+            <a:endParaRPr b="0" lang="en-US" sz="4400" spc="-1" strike="noStrike">
               <a:latin typeface="Arial"/>
             </a:endParaRPr>
           </a:p>
@@ -2254,8 +2112,8 @@
         </p:nvSpPr>
         <p:spPr>
           <a:xfrm>
-            <a:off x="504000" y="1368000"/>
-            <a:ext cx="4426920" cy="3287880"/>
+            <a:off x="504000" y="1326600"/>
+            <a:ext cx="4426920" cy="3288600"/>
           </a:xfrm>
           <a:prstGeom prst="rect">
             <a:avLst/>
@@ -2266,10 +2124,7 @@
             <a:normAutofit/>
           </a:bodyPr>
           <a:p>
-            <a:endParaRPr b="0" lang="en-US" sz="2800" spc="-1" strike="noStrike">
-              <a:solidFill>
-                <a:srgbClr val="000000"/>
-              </a:solidFill>
+            <a:endParaRPr b="0" lang="en-US" sz="3200" spc="-1" strike="noStrike">
               <a:latin typeface="Arial"/>
             </a:endParaRPr>
           </a:p>
@@ -2287,8 +2142,8 @@
         </p:nvSpPr>
         <p:spPr>
           <a:xfrm>
-            <a:off x="5152680" y="1368000"/>
-            <a:ext cx="4426920" cy="3287880"/>
+            <a:off x="5152680" y="1326600"/>
+            <a:ext cx="4426920" cy="3288600"/>
           </a:xfrm>
           <a:prstGeom prst="rect">
             <a:avLst/>
@@ -2299,10 +2154,7 @@
             <a:normAutofit/>
           </a:bodyPr>
           <a:p>
-            <a:endParaRPr b="0" lang="en-US" sz="2800" spc="-1" strike="noStrike">
-              <a:solidFill>
-                <a:srgbClr val="000000"/>
-              </a:solidFill>
+            <a:endParaRPr b="0" lang="en-US" sz="3200" spc="-1" strike="noStrike">
               <a:latin typeface="Arial"/>
             </a:endParaRPr>
           </a:p>
@@ -2342,8 +2194,8 @@
         </p:nvSpPr>
         <p:spPr>
           <a:xfrm>
-            <a:off x="504000" y="216000"/>
-            <a:ext cx="7019640" cy="935640"/>
+            <a:off x="504000" y="226080"/>
+            <a:ext cx="9072000" cy="946440"/>
           </a:xfrm>
           <a:prstGeom prst="rect">
             <a:avLst/>
@@ -2352,10 +2204,8 @@
         <p:txBody>
           <a:bodyPr lIns="0" rIns="0" tIns="0" bIns="0" anchor="ctr"/>
           <a:p>
-            <a:endParaRPr b="0" lang="en-US" sz="1800" spc="-1" strike="noStrike">
-              <a:solidFill>
-                <a:srgbClr val="000000"/>
-              </a:solidFill>
+            <a:pPr algn="ctr"/>
+            <a:endParaRPr b="0" lang="en-US" sz="4400" spc="-1" strike="noStrike">
               <a:latin typeface="Arial"/>
             </a:endParaRPr>
           </a:p>
@@ -2395,8 +2245,8 @@
         </p:nvSpPr>
         <p:spPr>
           <a:xfrm>
-            <a:off x="504000" y="216000"/>
-            <a:ext cx="7019640" cy="4338360"/>
+            <a:off x="504000" y="226080"/>
+            <a:ext cx="9072000" cy="4388400"/>
           </a:xfrm>
           <a:prstGeom prst="rect">
             <a:avLst/>
@@ -2446,8 +2296,8 @@
         </p:nvSpPr>
         <p:spPr>
           <a:xfrm>
-            <a:off x="504000" y="216000"/>
-            <a:ext cx="7019640" cy="935640"/>
+            <a:off x="504000" y="226080"/>
+            <a:ext cx="9072000" cy="946440"/>
           </a:xfrm>
           <a:prstGeom prst="rect">
             <a:avLst/>
@@ -2456,10 +2306,8 @@
         <p:txBody>
           <a:bodyPr lIns="0" rIns="0" tIns="0" bIns="0" anchor="ctr"/>
           <a:p>
-            <a:endParaRPr b="0" lang="en-US" sz="1800" spc="-1" strike="noStrike">
-              <a:solidFill>
-                <a:srgbClr val="000000"/>
-              </a:solidFill>
+            <a:pPr algn="ctr"/>
+            <a:endParaRPr b="0" lang="en-US" sz="4400" spc="-1" strike="noStrike">
               <a:latin typeface="Arial"/>
             </a:endParaRPr>
           </a:p>
@@ -2477,8 +2325,8 @@
         </p:nvSpPr>
         <p:spPr>
           <a:xfrm>
-            <a:off x="504000" y="1368000"/>
-            <a:ext cx="4426920" cy="1568160"/>
+            <a:off x="504000" y="1326600"/>
+            <a:ext cx="4426920" cy="1568520"/>
           </a:xfrm>
           <a:prstGeom prst="rect">
             <a:avLst/>
@@ -2489,10 +2337,7 @@
             <a:normAutofit/>
           </a:bodyPr>
           <a:p>
-            <a:endParaRPr b="0" lang="en-US" sz="2800" spc="-1" strike="noStrike">
-              <a:solidFill>
-                <a:srgbClr val="000000"/>
-              </a:solidFill>
+            <a:endParaRPr b="0" lang="en-US" sz="3200" spc="-1" strike="noStrike">
               <a:latin typeface="Arial"/>
             </a:endParaRPr>
           </a:p>
@@ -2510,8 +2355,8 @@
         </p:nvSpPr>
         <p:spPr>
           <a:xfrm>
-            <a:off x="5152680" y="1368000"/>
-            <a:ext cx="4426920" cy="3287880"/>
+            <a:off x="5152680" y="1326600"/>
+            <a:ext cx="4426920" cy="3288600"/>
           </a:xfrm>
           <a:prstGeom prst="rect">
             <a:avLst/>
@@ -2522,10 +2367,7 @@
             <a:normAutofit/>
           </a:bodyPr>
           <a:p>
-            <a:endParaRPr b="0" lang="en-US" sz="2800" spc="-1" strike="noStrike">
-              <a:solidFill>
-                <a:srgbClr val="000000"/>
-              </a:solidFill>
+            <a:endParaRPr b="0" lang="en-US" sz="3200" spc="-1" strike="noStrike">
               <a:latin typeface="Arial"/>
             </a:endParaRPr>
           </a:p>
@@ -2543,8 +2385,8 @@
         </p:nvSpPr>
         <p:spPr>
           <a:xfrm>
-            <a:off x="504000" y="3085560"/>
-            <a:ext cx="4426920" cy="1568160"/>
+            <a:off x="504000" y="3044520"/>
+            <a:ext cx="4426920" cy="1568520"/>
           </a:xfrm>
           <a:prstGeom prst="rect">
             <a:avLst/>
@@ -2555,10 +2397,7 @@
             <a:normAutofit/>
           </a:bodyPr>
           <a:p>
-            <a:endParaRPr b="0" lang="en-US" sz="2800" spc="-1" strike="noStrike">
-              <a:solidFill>
-                <a:srgbClr val="000000"/>
-              </a:solidFill>
+            <a:endParaRPr b="0" lang="en-US" sz="3200" spc="-1" strike="noStrike">
               <a:latin typeface="Arial"/>
             </a:endParaRPr>
           </a:p>
@@ -2598,8 +2437,8 @@
         </p:nvSpPr>
         <p:spPr>
           <a:xfrm>
-            <a:off x="504000" y="216000"/>
-            <a:ext cx="7019640" cy="935640"/>
+            <a:off x="504000" y="226080"/>
+            <a:ext cx="9072000" cy="946440"/>
           </a:xfrm>
           <a:prstGeom prst="rect">
             <a:avLst/>
@@ -2608,10 +2447,8 @@
         <p:txBody>
           <a:bodyPr lIns="0" rIns="0" tIns="0" bIns="0" anchor="ctr"/>
           <a:p>
-            <a:endParaRPr b="0" lang="en-US" sz="1800" spc="-1" strike="noStrike">
-              <a:solidFill>
-                <a:srgbClr val="000000"/>
-              </a:solidFill>
+            <a:pPr algn="ctr"/>
+            <a:endParaRPr b="0" lang="en-US" sz="4400" spc="-1" strike="noStrike">
               <a:latin typeface="Arial"/>
             </a:endParaRPr>
           </a:p>
@@ -2629,8 +2466,8 @@
         </p:nvSpPr>
         <p:spPr>
           <a:xfrm>
-            <a:off x="504000" y="1368000"/>
-            <a:ext cx="4426920" cy="3287880"/>
+            <a:off x="504000" y="1326600"/>
+            <a:ext cx="4426920" cy="3288600"/>
           </a:xfrm>
           <a:prstGeom prst="rect">
             <a:avLst/>
@@ -2641,10 +2478,7 @@
             <a:normAutofit/>
           </a:bodyPr>
           <a:p>
-            <a:endParaRPr b="0" lang="en-US" sz="2800" spc="-1" strike="noStrike">
-              <a:solidFill>
-                <a:srgbClr val="000000"/>
-              </a:solidFill>
+            <a:endParaRPr b="0" lang="en-US" sz="3200" spc="-1" strike="noStrike">
               <a:latin typeface="Arial"/>
             </a:endParaRPr>
           </a:p>
@@ -2662,8 +2496,8 @@
         </p:nvSpPr>
         <p:spPr>
           <a:xfrm>
-            <a:off x="5152680" y="1368000"/>
-            <a:ext cx="4426920" cy="1568160"/>
+            <a:off x="5152680" y="1326600"/>
+            <a:ext cx="4426920" cy="1568520"/>
           </a:xfrm>
           <a:prstGeom prst="rect">
             <a:avLst/>
@@ -2674,10 +2508,7 @@
             <a:normAutofit/>
           </a:bodyPr>
           <a:p>
-            <a:endParaRPr b="0" lang="en-US" sz="2800" spc="-1" strike="noStrike">
-              <a:solidFill>
-                <a:srgbClr val="000000"/>
-              </a:solidFill>
+            <a:endParaRPr b="0" lang="en-US" sz="3200" spc="-1" strike="noStrike">
               <a:latin typeface="Arial"/>
             </a:endParaRPr>
           </a:p>
@@ -2695,8 +2526,8 @@
         </p:nvSpPr>
         <p:spPr>
           <a:xfrm>
-            <a:off x="5152680" y="3085560"/>
-            <a:ext cx="4426920" cy="1568160"/>
+            <a:off x="5152680" y="3044520"/>
+            <a:ext cx="4426920" cy="1568520"/>
           </a:xfrm>
           <a:prstGeom prst="rect">
             <a:avLst/>
@@ -2707,10 +2538,7 @@
             <a:normAutofit/>
           </a:bodyPr>
           <a:p>
-            <a:endParaRPr b="0" lang="en-US" sz="2800" spc="-1" strike="noStrike">
-              <a:solidFill>
-                <a:srgbClr val="000000"/>
-              </a:solidFill>
+            <a:endParaRPr b="0" lang="en-US" sz="3200" spc="-1" strike="noStrike">
               <a:latin typeface="Arial"/>
             </a:endParaRPr>
           </a:p>
@@ -2750,8 +2578,8 @@
         </p:nvSpPr>
         <p:spPr>
           <a:xfrm>
-            <a:off x="504000" y="216000"/>
-            <a:ext cx="7019640" cy="935640"/>
+            <a:off x="504000" y="226080"/>
+            <a:ext cx="9072000" cy="946440"/>
           </a:xfrm>
           <a:prstGeom prst="rect">
             <a:avLst/>
@@ -2760,10 +2588,8 @@
         <p:txBody>
           <a:bodyPr lIns="0" rIns="0" tIns="0" bIns="0" anchor="ctr"/>
           <a:p>
-            <a:endParaRPr b="0" lang="en-US" sz="1800" spc="-1" strike="noStrike">
-              <a:solidFill>
-                <a:srgbClr val="000000"/>
-              </a:solidFill>
+            <a:pPr algn="ctr"/>
+            <a:endParaRPr b="0" lang="en-US" sz="4400" spc="-1" strike="noStrike">
               <a:latin typeface="Arial"/>
             </a:endParaRPr>
           </a:p>
@@ -2781,8 +2607,8 @@
         </p:nvSpPr>
         <p:spPr>
           <a:xfrm>
-            <a:off x="504000" y="1368000"/>
-            <a:ext cx="4426920" cy="1568160"/>
+            <a:off x="504000" y="1326600"/>
+            <a:ext cx="4426920" cy="1568520"/>
           </a:xfrm>
           <a:prstGeom prst="rect">
             <a:avLst/>
@@ -2793,10 +2619,7 @@
             <a:normAutofit/>
           </a:bodyPr>
           <a:p>
-            <a:endParaRPr b="0" lang="en-US" sz="2800" spc="-1" strike="noStrike">
-              <a:solidFill>
-                <a:srgbClr val="000000"/>
-              </a:solidFill>
+            <a:endParaRPr b="0" lang="en-US" sz="3200" spc="-1" strike="noStrike">
               <a:latin typeface="Arial"/>
             </a:endParaRPr>
           </a:p>
@@ -2814,8 +2637,8 @@
         </p:nvSpPr>
         <p:spPr>
           <a:xfrm>
-            <a:off x="5152680" y="1368000"/>
-            <a:ext cx="4426920" cy="1568160"/>
+            <a:off x="5152680" y="1326600"/>
+            <a:ext cx="4426920" cy="1568520"/>
           </a:xfrm>
           <a:prstGeom prst="rect">
             <a:avLst/>
@@ -2826,10 +2649,7 @@
             <a:normAutofit/>
           </a:bodyPr>
           <a:p>
-            <a:endParaRPr b="0" lang="en-US" sz="2800" spc="-1" strike="noStrike">
-              <a:solidFill>
-                <a:srgbClr val="000000"/>
-              </a:solidFill>
+            <a:endParaRPr b="0" lang="en-US" sz="3200" spc="-1" strike="noStrike">
               <a:latin typeface="Arial"/>
             </a:endParaRPr>
           </a:p>
@@ -2847,8 +2667,8 @@
         </p:nvSpPr>
         <p:spPr>
           <a:xfrm>
-            <a:off x="504000" y="3085560"/>
-            <a:ext cx="9071640" cy="1568160"/>
+            <a:off x="504000" y="3044520"/>
+            <a:ext cx="9072000" cy="1568520"/>
           </a:xfrm>
           <a:prstGeom prst="rect">
             <a:avLst/>
@@ -2859,10 +2679,7 @@
             <a:normAutofit/>
           </a:bodyPr>
           <a:p>
-            <a:endParaRPr b="0" lang="en-US" sz="2800" spc="-1" strike="noStrike">
-              <a:solidFill>
-                <a:srgbClr val="000000"/>
-              </a:solidFill>
+            <a:endParaRPr b="0" lang="en-US" sz="3200" spc="-1" strike="noStrike">
               <a:latin typeface="Arial"/>
             </a:endParaRPr>
           </a:p>
@@ -2910,7 +2727,7 @@
         <p:spPr>
           <a:xfrm>
             <a:off x="-58320" y="81000"/>
-            <a:ext cx="7794000" cy="1205280"/>
+            <a:ext cx="7793640" cy="1204920"/>
           </a:xfrm>
           <a:prstGeom prst="rect">
             <a:avLst/>
@@ -2933,7 +2750,7 @@
         <p:spPr>
           <a:xfrm>
             <a:off x="504000" y="216000"/>
-            <a:ext cx="7019640" cy="935640"/>
+            <a:ext cx="7019280" cy="935280"/>
           </a:xfrm>
           <a:prstGeom prst="rect">
             <a:avLst/>
@@ -2943,18 +2760,12 @@
           <a:bodyPr lIns="0" rIns="0" tIns="0" bIns="0" anchor="ctr"/>
           <a:p>
             <a:r>
-              <a:rPr b="0" lang="en-US" sz="4400" spc="-1" strike="noStrike">
-                <a:solidFill>
-                  <a:srgbClr val="000000"/>
-                </a:solidFill>
+              <a:rPr b="0" lang="en-US" sz="1800" spc="-1" strike="noStrike">
                 <a:latin typeface="Arial"/>
               </a:rPr>
               <a:t>Click to edit the title text format</a:t>
             </a:r>
-            <a:endParaRPr b="0" lang="en-US" sz="4400" spc="-1" strike="noStrike">
-              <a:solidFill>
-                <a:srgbClr val="000000"/>
-              </a:solidFill>
+            <a:endParaRPr b="0" lang="en-US" sz="1800" spc="-1" strike="noStrike">
               <a:latin typeface="Arial"/>
             </a:endParaRPr>
           </a:p>
@@ -2972,8 +2783,8 @@
         </p:nvSpPr>
         <p:spPr>
           <a:xfrm>
-            <a:off x="504000" y="1326600"/>
-            <a:ext cx="9072000" cy="3288600"/>
+            <a:off x="504000" y="1368000"/>
+            <a:ext cx="9071280" cy="3287520"/>
           </a:xfrm>
           <a:prstGeom prst="rect">
             <a:avLst/>
@@ -2996,18 +2807,12 @@
               <a:buChar char=""/>
             </a:pPr>
             <a:r>
-              <a:rPr b="0" lang="en-US" sz="2800" spc="-1" strike="noStrike">
-                <a:solidFill>
-                  <a:srgbClr val="000000"/>
-                </a:solidFill>
+              <a:rPr b="0" lang="en-US" sz="1800" spc="-1" strike="noStrike">
                 <a:latin typeface="Arial"/>
               </a:rPr>
               <a:t>Click to edit the outline text format</a:t>
             </a:r>
-            <a:endParaRPr b="0" lang="en-US" sz="2800" spc="-1" strike="noStrike">
-              <a:solidFill>
-                <a:srgbClr val="000000"/>
-              </a:solidFill>
+            <a:endParaRPr b="0" lang="en-US" sz="1800" spc="-1" strike="noStrike">
               <a:latin typeface="Arial"/>
             </a:endParaRPr>
           </a:p>
@@ -3024,18 +2829,12 @@
               <a:buChar char=""/>
             </a:pPr>
             <a:r>
-              <a:rPr b="0" lang="en-US" sz="2000" spc="-1" strike="noStrike">
-                <a:solidFill>
-                  <a:srgbClr val="000000"/>
-                </a:solidFill>
+              <a:rPr b="0" lang="en-US" sz="1800" spc="-1" strike="noStrike">
                 <a:latin typeface="Arial"/>
               </a:rPr>
               <a:t>Second Outline Level</a:t>
             </a:r>
-            <a:endParaRPr b="0" lang="en-US" sz="2000" spc="-1" strike="noStrike">
-              <a:solidFill>
-                <a:srgbClr val="000000"/>
-              </a:solidFill>
+            <a:endParaRPr b="0" lang="en-US" sz="1800" spc="-1" strike="noStrike">
               <a:latin typeface="Arial"/>
             </a:endParaRPr>
           </a:p>
@@ -3053,17 +2852,11 @@
             </a:pPr>
             <a:r>
               <a:rPr b="0" lang="en-US" sz="1800" spc="-1" strike="noStrike">
-                <a:solidFill>
-                  <a:srgbClr val="000000"/>
-                </a:solidFill>
                 <a:latin typeface="Arial"/>
               </a:rPr>
               <a:t>Third Outline Level</a:t>
             </a:r>
             <a:endParaRPr b="0" lang="en-US" sz="1800" spc="-1" strike="noStrike">
-              <a:solidFill>
-                <a:srgbClr val="000000"/>
-              </a:solidFill>
               <a:latin typeface="Arial"/>
             </a:endParaRPr>
           </a:p>
@@ -3081,17 +2874,11 @@
             </a:pPr>
             <a:r>
               <a:rPr b="0" lang="en-US" sz="1800" spc="-1" strike="noStrike">
-                <a:solidFill>
-                  <a:srgbClr val="000000"/>
-                </a:solidFill>
                 <a:latin typeface="Arial"/>
               </a:rPr>
               <a:t>Fourth Outline Level</a:t>
             </a:r>
             <a:endParaRPr b="0" lang="en-US" sz="1800" spc="-1" strike="noStrike">
-              <a:solidFill>
-                <a:srgbClr val="000000"/>
-              </a:solidFill>
               <a:latin typeface="Arial"/>
             </a:endParaRPr>
           </a:p>
@@ -3108,18 +2895,12 @@
               <a:buChar char=""/>
             </a:pPr>
             <a:r>
-              <a:rPr b="0" lang="en-US" sz="2000" spc="-1" strike="noStrike">
-                <a:solidFill>
-                  <a:srgbClr val="000000"/>
-                </a:solidFill>
+              <a:rPr b="0" lang="en-US" sz="1800" spc="-1" strike="noStrike">
                 <a:latin typeface="Arial"/>
               </a:rPr>
               <a:t>Fifth Outline Level</a:t>
             </a:r>
-            <a:endParaRPr b="0" lang="en-US" sz="2000" spc="-1" strike="noStrike">
-              <a:solidFill>
-                <a:srgbClr val="000000"/>
-              </a:solidFill>
+            <a:endParaRPr b="0" lang="en-US" sz="1800" spc="-1" strike="noStrike">
               <a:latin typeface="Arial"/>
             </a:endParaRPr>
           </a:p>
@@ -3136,18 +2917,12 @@
               <a:buChar char=""/>
             </a:pPr>
             <a:r>
-              <a:rPr b="0" lang="en-US" sz="2000" spc="-1" strike="noStrike">
-                <a:solidFill>
-                  <a:srgbClr val="000000"/>
-                </a:solidFill>
+              <a:rPr b="0" lang="en-US" sz="1800" spc="-1" strike="noStrike">
                 <a:latin typeface="Arial"/>
               </a:rPr>
               <a:t>Sixth Outline Level</a:t>
             </a:r>
-            <a:endParaRPr b="0" lang="en-US" sz="2000" spc="-1" strike="noStrike">
-              <a:solidFill>
-                <a:srgbClr val="000000"/>
-              </a:solidFill>
+            <a:endParaRPr b="0" lang="en-US" sz="1800" spc="-1" strike="noStrike">
               <a:latin typeface="Arial"/>
             </a:endParaRPr>
           </a:p>
@@ -3164,18 +2939,12 @@
               <a:buChar char=""/>
             </a:pPr>
             <a:r>
-              <a:rPr b="0" lang="en-US" sz="2000" spc="-1" strike="noStrike">
-                <a:solidFill>
-                  <a:srgbClr val="000000"/>
-                </a:solidFill>
+              <a:rPr b="0" lang="en-US" sz="1800" spc="-1" strike="noStrike">
                 <a:latin typeface="Arial"/>
               </a:rPr>
               <a:t>Seventh Outline Level</a:t>
             </a:r>
-            <a:endParaRPr b="0" lang="en-US" sz="2000" spc="-1" strike="noStrike">
-              <a:solidFill>
-                <a:srgbClr val="000000"/>
-              </a:solidFill>
+            <a:endParaRPr b="0" lang="en-US" sz="1800" spc="-1" strike="noStrike">
               <a:latin typeface="Arial"/>
             </a:endParaRPr>
           </a:p>
@@ -3238,7 +3007,7 @@
         <p:spPr>
           <a:xfrm>
             <a:off x="-58320" y="81000"/>
-            <a:ext cx="7794000" cy="1205280"/>
+            <a:ext cx="7793640" cy="1204920"/>
           </a:xfrm>
           <a:prstGeom prst="rect">
             <a:avLst/>
@@ -3260,8 +3029,8 @@
         </p:nvSpPr>
         <p:spPr>
           <a:xfrm>
-            <a:off x="504000" y="216000"/>
-            <a:ext cx="7019640" cy="935640"/>
+            <a:off x="504000" y="226080"/>
+            <a:ext cx="9072000" cy="946440"/>
           </a:xfrm>
           <a:prstGeom prst="rect">
             <a:avLst/>
@@ -3270,19 +3039,14 @@
         <p:txBody>
           <a:bodyPr lIns="0" rIns="0" tIns="0" bIns="0" anchor="ctr"/>
           <a:p>
+            <a:pPr algn="ctr"/>
             <a:r>
               <a:rPr b="0" lang="en-US" sz="4400" spc="-1" strike="noStrike">
-                <a:solidFill>
-                  <a:srgbClr val="000000"/>
-                </a:solidFill>
                 <a:latin typeface="Arial"/>
               </a:rPr>
               <a:t>Click to edit the title text format</a:t>
             </a:r>
             <a:endParaRPr b="0" lang="en-US" sz="4400" spc="-1" strike="noStrike">
-              <a:solidFill>
-                <a:srgbClr val="000000"/>
-              </a:solidFill>
               <a:latin typeface="Arial"/>
             </a:endParaRPr>
           </a:p>
@@ -3300,8 +3064,8 @@
         </p:nvSpPr>
         <p:spPr>
           <a:xfrm>
-            <a:off x="504000" y="1368000"/>
-            <a:ext cx="9071640" cy="3287880"/>
+            <a:off x="504000" y="1326600"/>
+            <a:ext cx="9072000" cy="3288600"/>
           </a:xfrm>
           <a:prstGeom prst="rect">
             <a:avLst/>
@@ -3324,18 +3088,12 @@
               <a:buChar char=""/>
             </a:pPr>
             <a:r>
-              <a:rPr b="0" lang="en-US" sz="2800" spc="-1" strike="noStrike">
-                <a:solidFill>
-                  <a:srgbClr val="000000"/>
-                </a:solidFill>
+              <a:rPr b="0" lang="en-US" sz="3200" spc="-1" strike="noStrike">
                 <a:latin typeface="Arial"/>
               </a:rPr>
               <a:t>Click to edit the outline text format</a:t>
             </a:r>
-            <a:endParaRPr b="0" lang="en-US" sz="2800" spc="-1" strike="noStrike">
-              <a:solidFill>
-                <a:srgbClr val="000000"/>
-              </a:solidFill>
+            <a:endParaRPr b="0" lang="en-US" sz="3200" spc="-1" strike="noStrike">
               <a:latin typeface="Arial"/>
             </a:endParaRPr>
           </a:p>
@@ -3353,17 +3111,11 @@
             </a:pPr>
             <a:r>
               <a:rPr b="0" lang="en-US" sz="2800" spc="-1" strike="noStrike">
-                <a:solidFill>
-                  <a:srgbClr val="000000"/>
-                </a:solidFill>
                 <a:latin typeface="Arial"/>
               </a:rPr>
               <a:t>Second Outline Level</a:t>
             </a:r>
             <a:endParaRPr b="0" lang="en-US" sz="2800" spc="-1" strike="noStrike">
-              <a:solidFill>
-                <a:srgbClr val="000000"/>
-              </a:solidFill>
               <a:latin typeface="Arial"/>
             </a:endParaRPr>
           </a:p>
@@ -3380,18 +3132,12 @@
               <a:buChar char=""/>
             </a:pPr>
             <a:r>
-              <a:rPr b="0" lang="en-US" sz="2800" spc="-1" strike="noStrike">
-                <a:solidFill>
-                  <a:srgbClr val="000000"/>
-                </a:solidFill>
+              <a:rPr b="0" lang="en-US" sz="2400" spc="-1" strike="noStrike">
                 <a:latin typeface="Arial"/>
               </a:rPr>
               <a:t>Third Outline Level</a:t>
             </a:r>
-            <a:endParaRPr b="0" lang="en-US" sz="2800" spc="-1" strike="noStrike">
-              <a:solidFill>
-                <a:srgbClr val="000000"/>
-              </a:solidFill>
+            <a:endParaRPr b="0" lang="en-US" sz="2400" spc="-1" strike="noStrike">
               <a:latin typeface="Arial"/>
             </a:endParaRPr>
           </a:p>
@@ -3408,18 +3154,12 @@
               <a:buChar char=""/>
             </a:pPr>
             <a:r>
-              <a:rPr b="0" lang="en-US" sz="2800" spc="-1" strike="noStrike">
-                <a:solidFill>
-                  <a:srgbClr val="000000"/>
-                </a:solidFill>
+              <a:rPr b="0" lang="en-US" sz="2000" spc="-1" strike="noStrike">
                 <a:latin typeface="Arial"/>
               </a:rPr>
               <a:t>Fourth Outline Level</a:t>
             </a:r>
-            <a:endParaRPr b="0" lang="en-US" sz="2800" spc="-1" strike="noStrike">
-              <a:solidFill>
-                <a:srgbClr val="000000"/>
-              </a:solidFill>
+            <a:endParaRPr b="0" lang="en-US" sz="2000" spc="-1" strike="noStrike">
               <a:latin typeface="Arial"/>
             </a:endParaRPr>
           </a:p>
@@ -3436,18 +3176,12 @@
               <a:buChar char=""/>
             </a:pPr>
             <a:r>
-              <a:rPr b="0" lang="en-US" sz="2800" spc="-1" strike="noStrike">
-                <a:solidFill>
-                  <a:srgbClr val="000000"/>
-                </a:solidFill>
+              <a:rPr b="0" lang="en-US" sz="2000" spc="-1" strike="noStrike">
                 <a:latin typeface="Arial"/>
               </a:rPr>
               <a:t>Fifth Outline Level</a:t>
             </a:r>
-            <a:endParaRPr b="0" lang="en-US" sz="2800" spc="-1" strike="noStrike">
-              <a:solidFill>
-                <a:srgbClr val="000000"/>
-              </a:solidFill>
+            <a:endParaRPr b="0" lang="en-US" sz="2000" spc="-1" strike="noStrike">
               <a:latin typeface="Arial"/>
             </a:endParaRPr>
           </a:p>
@@ -3464,18 +3198,12 @@
               <a:buChar char=""/>
             </a:pPr>
             <a:r>
-              <a:rPr b="0" lang="en-US" sz="2800" spc="-1" strike="noStrike">
-                <a:solidFill>
-                  <a:srgbClr val="000000"/>
-                </a:solidFill>
+              <a:rPr b="0" lang="en-US" sz="2000" spc="-1" strike="noStrike">
                 <a:latin typeface="Arial"/>
               </a:rPr>
               <a:t>Sixth Outline Level</a:t>
             </a:r>
-            <a:endParaRPr b="0" lang="en-US" sz="2800" spc="-1" strike="noStrike">
-              <a:solidFill>
-                <a:srgbClr val="000000"/>
-              </a:solidFill>
+            <a:endParaRPr b="0" lang="en-US" sz="2000" spc="-1" strike="noStrike">
               <a:latin typeface="Arial"/>
             </a:endParaRPr>
           </a:p>
@@ -3492,18 +3220,12 @@
               <a:buChar char=""/>
             </a:pPr>
             <a:r>
-              <a:rPr b="0" lang="en-US" sz="2800" spc="-1" strike="noStrike">
-                <a:solidFill>
-                  <a:srgbClr val="000000"/>
-                </a:solidFill>
+              <a:rPr b="0" lang="en-US" sz="2000" spc="-1" strike="noStrike">
                 <a:latin typeface="Arial"/>
               </a:rPr>
               <a:t>Seventh Outline Level</a:t>
             </a:r>
-            <a:endParaRPr b="0" lang="en-US" sz="2800" spc="-1" strike="noStrike">
-              <a:solidFill>
-                <a:srgbClr val="000000"/>
-              </a:solidFill>
+            <a:endParaRPr b="0" lang="en-US" sz="2000" spc="-1" strike="noStrike">
               <a:latin typeface="Arial"/>
             </a:endParaRPr>
           </a:p>
@@ -3555,7 +3277,7 @@
         <p:spPr>
           <a:xfrm>
             <a:off x="504000" y="216000"/>
-            <a:ext cx="7019640" cy="935640"/>
+            <a:ext cx="7019280" cy="935280"/>
           </a:xfrm>
           <a:prstGeom prst="rect">
             <a:avLst/>
@@ -3581,7 +3303,7 @@
         <p:spPr>
           <a:xfrm>
             <a:off x="504000" y="1368000"/>
-            <a:ext cx="9071640" cy="3287880"/>
+            <a:ext cx="9071280" cy="3287520"/>
           </a:xfrm>
           <a:prstGeom prst="rect">
             <a:avLst/>
@@ -3719,7 +3441,7 @@
         <p:spPr>
           <a:xfrm>
             <a:off x="504000" y="216000"/>
-            <a:ext cx="7019640" cy="935640"/>
+            <a:ext cx="7019280" cy="935280"/>
           </a:xfrm>
           <a:prstGeom prst="rect">
             <a:avLst/>
@@ -3768,7 +3490,7 @@
         <p:spPr>
           <a:xfrm>
             <a:off x="504000" y="1368000"/>
-            <a:ext cx="9071640" cy="3287880"/>
+            <a:ext cx="9071280" cy="3287520"/>
           </a:xfrm>
           <a:prstGeom prst="rect">
             <a:avLst/>
@@ -3789,7 +3511,7 @@
             <a:normAutofit/>
           </a:bodyPr>
           <a:p>
-            <a:pPr marL="432000" indent="-323640">
+            <a:pPr marL="432000" indent="-323280">
               <a:lnSpc>
                 <a:spcPct val="100000"/>
               </a:lnSpc>
@@ -3818,7 +3540,7 @@
             </a:endParaRPr>
           </a:p>
           <a:p>
-            <a:pPr marL="432000" indent="-323640">
+            <a:pPr marL="432000" indent="-323280">
               <a:lnSpc>
                 <a:spcPct val="100000"/>
               </a:lnSpc>
@@ -3847,7 +3569,7 @@
             </a:endParaRPr>
           </a:p>
           <a:p>
-            <a:pPr marL="432000" indent="-323640">
+            <a:pPr marL="432000" indent="-323280">
               <a:lnSpc>
                 <a:spcPct val="100000"/>
               </a:lnSpc>
@@ -3935,7 +3657,7 @@
         <p:spPr>
           <a:xfrm>
             <a:off x="504000" y="216000"/>
-            <a:ext cx="7019640" cy="935640"/>
+            <a:ext cx="7019280" cy="935280"/>
           </a:xfrm>
           <a:prstGeom prst="rect">
             <a:avLst/>
@@ -3984,7 +3706,7 @@
         <p:spPr>
           <a:xfrm>
             <a:off x="504000" y="1368000"/>
-            <a:ext cx="9071640" cy="3287880"/>
+            <a:ext cx="9071280" cy="3287520"/>
           </a:xfrm>
           <a:prstGeom prst="rect">
             <a:avLst/>
@@ -4005,7 +3727,7 @@
             <a:normAutofit/>
           </a:bodyPr>
           <a:p>
-            <a:pPr marL="457200" indent="-456840">
+            <a:pPr marL="457200" indent="-456480">
               <a:lnSpc>
                 <a:spcPct val="100000"/>
               </a:lnSpc>
@@ -4030,7 +3752,7 @@
             </a:endParaRPr>
           </a:p>
           <a:p>
-            <a:pPr marL="457200" indent="-456840">
+            <a:pPr marL="457200" indent="-456480">
               <a:lnSpc>
                 <a:spcPct val="100000"/>
               </a:lnSpc>
@@ -4055,7 +3777,7 @@
             </a:endParaRPr>
           </a:p>
           <a:p>
-            <a:pPr marL="457200" indent="-456840">
+            <a:pPr marL="457200" indent="-456480">
               <a:lnSpc>
                 <a:spcPct val="100000"/>
               </a:lnSpc>
@@ -4139,7 +3861,7 @@
         <p:spPr>
           <a:xfrm>
             <a:off x="504000" y="216000"/>
-            <a:ext cx="7019640" cy="935640"/>
+            <a:ext cx="7019280" cy="935280"/>
           </a:xfrm>
           <a:prstGeom prst="rect">
             <a:avLst/>
@@ -4188,7 +3910,7 @@
         <p:spPr>
           <a:xfrm>
             <a:off x="504000" y="1368000"/>
-            <a:ext cx="9071640" cy="3287880"/>
+            <a:ext cx="9071280" cy="3287520"/>
           </a:xfrm>
           <a:prstGeom prst="rect">
             <a:avLst/>
@@ -4209,7 +3931,7 @@
             <a:normAutofit/>
           </a:bodyPr>
           <a:p>
-            <a:pPr marL="457200" indent="-456840">
+            <a:pPr marL="457200" indent="-456480">
               <a:lnSpc>
                 <a:spcPct val="100000"/>
               </a:lnSpc>
@@ -4234,7 +3956,7 @@
             </a:endParaRPr>
           </a:p>
           <a:p>
-            <a:pPr marL="457200" indent="-456840">
+            <a:pPr marL="457200" indent="-456480">
               <a:lnSpc>
                 <a:spcPct val="100000"/>
               </a:lnSpc>
@@ -4259,7 +3981,7 @@
             </a:endParaRPr>
           </a:p>
           <a:p>
-            <a:pPr marL="457200" indent="-456840">
+            <a:pPr marL="457200" indent="-456480">
               <a:lnSpc>
                 <a:spcPct val="100000"/>
               </a:lnSpc>
@@ -4353,7 +4075,7 @@
         <p:spPr>
           <a:xfrm>
             <a:off x="504000" y="216000"/>
-            <a:ext cx="7019640" cy="935640"/>
+            <a:ext cx="7019280" cy="935280"/>
           </a:xfrm>
           <a:prstGeom prst="rect">
             <a:avLst/>
@@ -4402,7 +4124,7 @@
         <p:spPr>
           <a:xfrm>
             <a:off x="504000" y="1368000"/>
-            <a:ext cx="9071640" cy="3287880"/>
+            <a:ext cx="9071280" cy="3287520"/>
           </a:xfrm>
           <a:prstGeom prst="rect">
             <a:avLst/>
@@ -4423,7 +4145,7 @@
             <a:normAutofit/>
           </a:bodyPr>
           <a:p>
-            <a:pPr marL="457200" indent="-456840">
+            <a:pPr marL="457200" indent="-456480">
               <a:lnSpc>
                 <a:spcPct val="100000"/>
               </a:lnSpc>
@@ -4448,7 +4170,7 @@
             </a:endParaRPr>
           </a:p>
           <a:p>
-            <a:pPr marL="457200" indent="-456840">
+            <a:pPr marL="457200" indent="-456480">
               <a:lnSpc>
                 <a:spcPct val="100000"/>
               </a:lnSpc>
@@ -4473,7 +4195,7 @@
             </a:endParaRPr>
           </a:p>
           <a:p>
-            <a:pPr marL="457200" indent="-456840">
+            <a:pPr marL="457200" indent="-456480">
               <a:lnSpc>
                 <a:spcPct val="100000"/>
               </a:lnSpc>
@@ -4498,7 +4220,7 @@
             </a:endParaRPr>
           </a:p>
           <a:p>
-            <a:pPr marL="457200" indent="-456840">
+            <a:pPr marL="457200" indent="-456480">
               <a:lnSpc>
                 <a:spcPct val="100000"/>
               </a:lnSpc>
@@ -4553,6 +4275,526 @@
           <p:childTnLst>
             <p:seq>
               <p:cTn id="26" dur="indefinite" nodeType="mainSeq"/>
+              <p:prevCondLst>
+                <p:cond delay="0" evt="onPrev">
+                  <p:tgtEl>
+                    <p:sldTgt/>
+                  </p:tgtEl>
+                </p:cond>
+              </p:prevCondLst>
+              <p:nextCondLst>
+                <p:cond delay="0" evt="onNext">
+                  <p:tgtEl>
+                    <p:sldTgt/>
+                  </p:tgtEl>
+                </p:cond>
+              </p:nextCondLst>
+            </p:seq>
+          </p:childTnLst>
+        </p:cTn>
+      </p:par>
+    </p:tnLst>
+  </p:timing>
+</p:sld>
+</file>
+
+<file path=ppt/slides/slide14.xml><?xml version="1.0" encoding="utf-8"?>
+<p:sld xmlns:a="http://schemas.openxmlformats.org/drawingml/2006/main" xmlns:p="http://schemas.openxmlformats.org/presentationml/2006/main" xmlns:r="http://schemas.openxmlformats.org/officeDocument/2006/relationships" xmlns:p14="http://schemas.microsoft.com/office/powerpoint/2010/main" xmlns:p15="http://schemas.microsoft.com/office/powerpoint/2012/main" xmlns:mc="http://schemas.openxmlformats.org/markup-compatibility/2006">
+  <p:cSld>
+    <p:spTree>
+      <p:nvGrpSpPr>
+        <p:cNvPr id="1" name=""/>
+        <p:cNvGrpSpPr/>
+        <p:nvPr/>
+      </p:nvGrpSpPr>
+      <p:grpSpPr>
+        <a:xfrm>
+          <a:off x="0" y="0"/>
+          <a:ext cx="0" cy="0"/>
+          <a:chOff x="0" y="0"/>
+          <a:chExt cx="0" cy="0"/>
+        </a:xfrm>
+      </p:grpSpPr>
+      <p:sp>
+        <p:nvSpPr>
+          <p:cNvPr id="104" name="CustomShape 1"/>
+          <p:cNvSpPr/>
+          <p:nvPr/>
+        </p:nvSpPr>
+        <p:spPr>
+          <a:xfrm>
+            <a:off x="504000" y="216000"/>
+            <a:ext cx="7019280" cy="935280"/>
+          </a:xfrm>
+          <a:prstGeom prst="rect">
+            <a:avLst/>
+          </a:prstGeom>
+          <a:noFill/>
+          <a:ln>
+            <a:noFill/>
+          </a:ln>
+        </p:spPr>
+        <p:style>
+          <a:lnRef idx="0"/>
+          <a:fillRef idx="0"/>
+          <a:effectRef idx="0"/>
+          <a:fontRef idx="minor"/>
+        </p:style>
+        <p:txBody>
+          <a:bodyPr lIns="0" rIns="0" tIns="0" bIns="0" anchor="ctr"/>
+          <a:p>
+            <a:pPr>
+              <a:lnSpc>
+                <a:spcPct val="100000"/>
+              </a:lnSpc>
+            </a:pPr>
+            <a:r>
+              <a:rPr b="0" lang="en-US" sz="3570" spc="-1" strike="noStrike">
+                <a:solidFill>
+                  <a:srgbClr val="ffffff"/>
+                </a:solidFill>
+                <a:latin typeface="Arial"/>
+                <a:ea typeface="DejaVu Sans"/>
+              </a:rPr>
+              <a:t>Model Interpretability</a:t>
+            </a:r>
+            <a:endParaRPr b="0" lang="en-US" sz="3570" spc="-1" strike="noStrike">
+              <a:latin typeface="Arial"/>
+            </a:endParaRPr>
+          </a:p>
+        </p:txBody>
+      </p:sp>
+      <p:sp>
+        <p:nvSpPr>
+          <p:cNvPr id="105" name="CustomShape 2"/>
+          <p:cNvSpPr/>
+          <p:nvPr/>
+        </p:nvSpPr>
+        <p:spPr>
+          <a:xfrm>
+            <a:off x="504000" y="1368000"/>
+            <a:ext cx="9071280" cy="3287520"/>
+          </a:xfrm>
+          <a:prstGeom prst="rect">
+            <a:avLst/>
+          </a:prstGeom>
+          <a:noFill/>
+          <a:ln>
+            <a:noFill/>
+          </a:ln>
+        </p:spPr>
+        <p:style>
+          <a:lnRef idx="0"/>
+          <a:fillRef idx="0"/>
+          <a:effectRef idx="0"/>
+          <a:fontRef idx="minor"/>
+        </p:style>
+        <p:txBody>
+          <a:bodyPr lIns="0" rIns="0" tIns="0" bIns="0">
+            <a:normAutofit/>
+          </a:bodyPr>
+          <a:p>
+            <a:pPr marL="457200" indent="-456480">
+              <a:lnSpc>
+                <a:spcPct val="100000"/>
+              </a:lnSpc>
+              <a:buClr>
+                <a:srgbClr val="000000"/>
+              </a:buClr>
+              <a:buFont typeface="Arial"/>
+              <a:buChar char="•"/>
+            </a:pPr>
+            <a:r>
+              <a:rPr b="0" lang="en-US" sz="1800" spc="-1" strike="noStrike">
+                <a:solidFill>
+                  <a:srgbClr val="000000"/>
+                </a:solidFill>
+                <a:latin typeface="Arial"/>
+                <a:ea typeface="DejaVu Sans"/>
+              </a:rPr>
+              <a:t>Strict Interpretability</a:t>
+            </a:r>
+            <a:endParaRPr b="0" lang="en-US" sz="1800" spc="-1" strike="noStrike">
+              <a:latin typeface="Arial"/>
+            </a:endParaRPr>
+          </a:p>
+          <a:p>
+            <a:pPr marL="457200" indent="-456480">
+              <a:lnSpc>
+                <a:spcPct val="100000"/>
+              </a:lnSpc>
+              <a:buClr>
+                <a:srgbClr val="000000"/>
+              </a:buClr>
+              <a:buFont typeface="Arial"/>
+              <a:buChar char="•"/>
+            </a:pPr>
+            <a:r>
+              <a:rPr b="0" lang="en-US" sz="1800" spc="-1" strike="noStrike">
+                <a:solidFill>
+                  <a:srgbClr val="000000"/>
+                </a:solidFill>
+                <a:latin typeface="Arial"/>
+                <a:ea typeface="DejaVu Sans"/>
+                <a:hlinkClick r:id="rId1"/>
+              </a:rPr>
+              <a:t>https://github.com/slundberg/shap</a:t>
+            </a:r>
+            <a:endParaRPr b="0" lang="en-US" sz="1800" spc="-1" strike="noStrike">
+              <a:latin typeface="Arial"/>
+            </a:endParaRPr>
+          </a:p>
+          <a:p>
+            <a:pPr marL="457200" indent="-456480">
+              <a:lnSpc>
+                <a:spcPct val="100000"/>
+              </a:lnSpc>
+              <a:buClr>
+                <a:srgbClr val="000000"/>
+              </a:buClr>
+              <a:buFont typeface="Arial"/>
+              <a:buChar char="•"/>
+            </a:pPr>
+            <a:r>
+              <a:rPr b="0" lang="en-US" sz="1800" spc="-1" strike="noStrike">
+                <a:solidFill>
+                  <a:srgbClr val="000000"/>
+                </a:solidFill>
+                <a:latin typeface="Arial"/>
+                <a:ea typeface="DejaVu Sans"/>
+                <a:hlinkClick r:id="rId2"/>
+              </a:rPr>
+              <a:t>https://github.com/marcotcr/lime</a:t>
+            </a:r>
+            <a:endParaRPr b="0" lang="en-US" sz="1800" spc="-1" strike="noStrike">
+              <a:latin typeface="Arial"/>
+            </a:endParaRPr>
+          </a:p>
+          <a:p>
+            <a:pPr marL="457200" indent="-456480">
+              <a:lnSpc>
+                <a:spcPct val="100000"/>
+              </a:lnSpc>
+              <a:buClr>
+                <a:srgbClr val="000000"/>
+              </a:buClr>
+              <a:buFont typeface="Arial"/>
+              <a:buChar char="•"/>
+            </a:pPr>
+            <a:r>
+              <a:rPr b="0" lang="en-US" sz="1800" spc="-1" strike="noStrike">
+                <a:solidFill>
+                  <a:srgbClr val="000000"/>
+                </a:solidFill>
+                <a:latin typeface="Arial"/>
+                <a:ea typeface="DejaVu Sans"/>
+                <a:hlinkClick r:id="rId3"/>
+              </a:rPr>
+              <a:t>https://towardsdatascience.com/interpretability-in-machine-learning-70c30694a05f</a:t>
+            </a:r>
+            <a:endParaRPr b="0" lang="en-US" sz="1800" spc="-1" strike="noStrike">
+              <a:latin typeface="Arial"/>
+            </a:endParaRPr>
+          </a:p>
+          <a:p>
+            <a:pPr marL="457200" indent="-456480">
+              <a:lnSpc>
+                <a:spcPct val="100000"/>
+              </a:lnSpc>
+              <a:buClr>
+                <a:srgbClr val="000000"/>
+              </a:buClr>
+              <a:buFont typeface="Arial"/>
+              <a:buChar char="•"/>
+            </a:pPr>
+            <a:r>
+              <a:rPr b="0" lang="en-US" sz="1800" spc="-1" strike="noStrike">
+                <a:solidFill>
+                  <a:srgbClr val="000000"/>
+                </a:solidFill>
+                <a:latin typeface="Arial"/>
+                <a:ea typeface="DejaVu Sans"/>
+                <a:hlinkClick r:id="rId4"/>
+              </a:rPr>
+              <a:t>https://christophm.github.io/interpretable-ml-book/</a:t>
+            </a:r>
+            <a:endParaRPr b="0" lang="en-US" sz="1800" spc="-1" strike="noStrike">
+              <a:latin typeface="Arial"/>
+            </a:endParaRPr>
+          </a:p>
+          <a:p>
+            <a:pPr marL="457200" indent="-456480">
+              <a:lnSpc>
+                <a:spcPct val="100000"/>
+              </a:lnSpc>
+              <a:buClr>
+                <a:srgbClr val="000000"/>
+              </a:buClr>
+              <a:buFont typeface="Arial"/>
+              <a:buChar char="•"/>
+            </a:pPr>
+            <a:r>
+              <a:rPr b="0" lang="en-US" sz="1800" spc="-1" strike="noStrike">
+                <a:solidFill>
+                  <a:srgbClr val="000000"/>
+                </a:solidFill>
+                <a:latin typeface="Arial"/>
+                <a:ea typeface="DejaVu Sans"/>
+                <a:hlinkClick r:id="rId5"/>
+              </a:rPr>
+              <a:t>https://github.com/datascienceinc/Skater</a:t>
+            </a:r>
+            <a:endParaRPr b="0" lang="en-US" sz="1800" spc="-1" strike="noStrike">
+              <a:latin typeface="Arial"/>
+            </a:endParaRPr>
+          </a:p>
+          <a:p>
+            <a:pPr marL="457200" indent="-456480">
+              <a:lnSpc>
+                <a:spcPct val="100000"/>
+              </a:lnSpc>
+              <a:buClr>
+                <a:srgbClr val="000000"/>
+              </a:buClr>
+              <a:buFont typeface="Arial"/>
+              <a:buChar char="•"/>
+            </a:pPr>
+            <a:endParaRPr b="0" lang="en-US" sz="1800" spc="-1" strike="noStrike">
+              <a:latin typeface="Arial"/>
+            </a:endParaRPr>
+          </a:p>
+          <a:p>
+            <a:pPr marL="457200" indent="-456480">
+              <a:lnSpc>
+                <a:spcPct val="100000"/>
+              </a:lnSpc>
+              <a:buClr>
+                <a:srgbClr val="000000"/>
+              </a:buClr>
+              <a:buFont typeface="Arial"/>
+              <a:buChar char="•"/>
+            </a:pPr>
+            <a:r>
+              <a:rPr b="0" lang="en-US" sz="1800" spc="-1" strike="noStrike">
+                <a:solidFill>
+                  <a:srgbClr val="000000"/>
+                </a:solidFill>
+                <a:latin typeface="Arial"/>
+                <a:ea typeface="DejaVu Sans"/>
+              </a:rPr>
+              <a:t>Model Fairness</a:t>
+            </a:r>
+            <a:endParaRPr b="0" lang="en-US" sz="1800" spc="-1" strike="noStrike">
+              <a:latin typeface="Arial"/>
+            </a:endParaRPr>
+          </a:p>
+          <a:p>
+            <a:pPr marL="457200" indent="-456480">
+              <a:lnSpc>
+                <a:spcPct val="100000"/>
+              </a:lnSpc>
+              <a:buClr>
+                <a:srgbClr val="000000"/>
+              </a:buClr>
+              <a:buFont typeface="Arial"/>
+              <a:buChar char="•"/>
+            </a:pPr>
+            <a:r>
+              <a:rPr b="0" lang="en-US" sz="1800" spc="-1" strike="noStrike">
+                <a:solidFill>
+                  <a:srgbClr val="000000"/>
+                </a:solidFill>
+                <a:latin typeface="Arial"/>
+                <a:ea typeface="DejaVu Sans"/>
+              </a:rPr>
+              <a:t>https://github.com/Microsoft/fairlearn</a:t>
+            </a:r>
+            <a:endParaRPr b="0" lang="en-US" sz="1800" spc="-1" strike="noStrike">
+              <a:latin typeface="Arial"/>
+            </a:endParaRPr>
+          </a:p>
+          <a:p>
+            <a:pPr marL="457200" indent="-456480">
+              <a:lnSpc>
+                <a:spcPct val="100000"/>
+              </a:lnSpc>
+              <a:buClr>
+                <a:srgbClr val="000000"/>
+              </a:buClr>
+              <a:buFont typeface="Arial"/>
+              <a:buChar char="•"/>
+            </a:pPr>
+            <a:r>
+              <a:rPr b="0" lang="en-US" sz="1800" spc="-1" strike="noStrike">
+                <a:solidFill>
+                  <a:srgbClr val="000000"/>
+                </a:solidFill>
+                <a:latin typeface="Arial"/>
+                <a:ea typeface="DejaVu Sans"/>
+                <a:hlinkClick r:id="rId6"/>
+              </a:rPr>
+              <a:t>https://github.com/mbilalzafar/fair-classification</a:t>
+            </a:r>
+            <a:endParaRPr b="0" lang="en-US" sz="1800" spc="-1" strike="noStrike">
+              <a:latin typeface="Arial"/>
+            </a:endParaRPr>
+          </a:p>
+          <a:p>
+            <a:pPr marL="457200" indent="-456480">
+              <a:lnSpc>
+                <a:spcPct val="100000"/>
+              </a:lnSpc>
+              <a:buClr>
+                <a:srgbClr val="000000"/>
+              </a:buClr>
+              <a:buFont typeface="Arial"/>
+              <a:buChar char="•"/>
+            </a:pPr>
+            <a:r>
+              <a:rPr b="0" lang="en-US" sz="1800" spc="-1" strike="noStrike">
+                <a:solidFill>
+                  <a:srgbClr val="000000"/>
+                </a:solidFill>
+                <a:latin typeface="Arial"/>
+                <a:ea typeface="DejaVu Sans"/>
+                <a:hlinkClick r:id="rId7"/>
+              </a:rPr>
+              <a:t>https://medium.com/@eirinimalliaraki/toward-ethical-transparent-and-fair-ai-ml-a-critical-reading-list-d950e70a70ea</a:t>
+            </a:r>
+            <a:endParaRPr b="0" lang="en-US" sz="1800" spc="-1" strike="noStrike">
+              <a:latin typeface="Arial"/>
+            </a:endParaRPr>
+          </a:p>
+          <a:p>
+            <a:pPr marL="457200" indent="-456480">
+              <a:lnSpc>
+                <a:spcPct val="100000"/>
+              </a:lnSpc>
+              <a:buClr>
+                <a:srgbClr val="000000"/>
+              </a:buClr>
+              <a:buFont typeface="Arial"/>
+              <a:buChar char="•"/>
+            </a:pPr>
+            <a:r>
+              <a:rPr b="0" lang="en-US" sz="1800" spc="-1" strike="noStrike">
+                <a:solidFill>
+                  <a:srgbClr val="000000"/>
+                </a:solidFill>
+                <a:latin typeface="Arial"/>
+                <a:ea typeface="DejaVu Sans"/>
+                <a:hlinkClick r:id="rId8"/>
+              </a:rPr>
+              <a:t>https://github.com/adebayoj/fairml</a:t>
+            </a:r>
+            <a:endParaRPr b="0" lang="en-US" sz="1800" spc="-1" strike="noStrike">
+              <a:latin typeface="Arial"/>
+            </a:endParaRPr>
+          </a:p>
+          <a:p>
+            <a:pPr marL="457200" indent="-456480">
+              <a:lnSpc>
+                <a:spcPct val="100000"/>
+              </a:lnSpc>
+              <a:buClr>
+                <a:srgbClr val="000000"/>
+              </a:buClr>
+              <a:buFont typeface="Arial"/>
+              <a:buChar char="•"/>
+            </a:pPr>
+            <a:r>
+              <a:rPr b="0" lang="en-US" sz="1800" spc="-1" strike="noStrike">
+                <a:solidFill>
+                  <a:srgbClr val="000000"/>
+                </a:solidFill>
+                <a:latin typeface="Arial"/>
+                <a:ea typeface="DejaVu Sans"/>
+                <a:hlinkClick r:id="rId9"/>
+              </a:rPr>
+              <a:t>https://github.com/fairml/aalto-seminar-2015</a:t>
+            </a:r>
+            <a:endParaRPr b="0" lang="en-US" sz="1800" spc="-1" strike="noStrike">
+              <a:latin typeface="Arial"/>
+            </a:endParaRPr>
+          </a:p>
+          <a:p>
+            <a:pPr marL="457200" indent="-456480">
+              <a:lnSpc>
+                <a:spcPct val="100000"/>
+              </a:lnSpc>
+              <a:buClr>
+                <a:srgbClr val="000000"/>
+              </a:buClr>
+              <a:buFont typeface="Arial"/>
+              <a:buChar char="•"/>
+            </a:pPr>
+            <a:r>
+              <a:rPr b="0" lang="en-US" sz="1800" spc="-1" strike="noStrike">
+                <a:solidFill>
+                  <a:srgbClr val="000000"/>
+                </a:solidFill>
+                <a:latin typeface="Arial"/>
+                <a:ea typeface="DejaVu Sans"/>
+                <a:hlinkClick r:id="rId10"/>
+              </a:rPr>
+              <a:t>https://github.com/columbia/fairtest</a:t>
+            </a:r>
+            <a:r>
+              <a:rPr b="0" lang="en-US" sz="1800" spc="-1" strike="noStrike">
+                <a:solidFill>
+                  <a:srgbClr val="000000"/>
+                </a:solidFill>
+                <a:latin typeface="Arial"/>
+                <a:ea typeface="DejaVu Sans"/>
+                <a:hlinkClick r:id="rId11"/>
+              </a:rPr>
+              <a:t>https://github.com/columbia/fairtest</a:t>
+            </a:r>
+            <a:endParaRPr b="0" lang="en-US" sz="1800" spc="-1" strike="noStrike">
+              <a:latin typeface="Arial"/>
+            </a:endParaRPr>
+          </a:p>
+          <a:p>
+            <a:pPr>
+              <a:lnSpc>
+                <a:spcPct val="100000"/>
+              </a:lnSpc>
+            </a:pPr>
+            <a:endParaRPr b="0" lang="en-US" sz="1800" spc="-1" strike="noStrike">
+              <a:latin typeface="Arial"/>
+            </a:endParaRPr>
+          </a:p>
+          <a:p>
+            <a:pPr>
+              <a:lnSpc>
+                <a:spcPct val="100000"/>
+              </a:lnSpc>
+            </a:pPr>
+            <a:endParaRPr b="0" lang="en-US" sz="1800" spc="-1" strike="noStrike">
+              <a:latin typeface="Arial"/>
+            </a:endParaRPr>
+          </a:p>
+          <a:p>
+            <a:pPr>
+              <a:lnSpc>
+                <a:spcPct val="100000"/>
+              </a:lnSpc>
+            </a:pPr>
+            <a:endParaRPr b="0" lang="en-US" sz="1800" spc="-1" strike="noStrike">
+              <a:latin typeface="Arial"/>
+            </a:endParaRPr>
+          </a:p>
+        </p:txBody>
+      </p:sp>
+    </p:spTree>
+  </p:cSld>
+  <p:timing>
+    <p:tnLst>
+      <p:par>
+        <p:cTn id="27" dur="indefinite" restart="never" nodeType="tmRoot">
+          <p:childTnLst>
+            <p:seq>
+              <p:cTn id="28" dur="indefinite" nodeType="mainSeq"/>
               <p:prevCondLst>
                 <p:cond delay="0" evt="onPrev">
                   <p:tgtEl>
@@ -4602,7 +4844,7 @@
         <p:spPr>
           <a:xfrm>
             <a:off x="504000" y="216000"/>
-            <a:ext cx="7019640" cy="935640"/>
+            <a:ext cx="7019280" cy="935280"/>
           </a:xfrm>
           <a:prstGeom prst="rect">
             <a:avLst/>
@@ -4651,7 +4893,7 @@
         <p:spPr>
           <a:xfrm>
             <a:off x="504000" y="1368000"/>
-            <a:ext cx="9071640" cy="3287880"/>
+            <a:ext cx="9071280" cy="3287520"/>
           </a:xfrm>
           <a:prstGeom prst="rect">
             <a:avLst/>
@@ -4672,7 +4914,7 @@
             <a:normAutofit/>
           </a:bodyPr>
           <a:p>
-            <a:pPr marL="432000" indent="-323640">
+            <a:pPr marL="432000" indent="-323280">
               <a:lnSpc>
                 <a:spcPct val="100000"/>
               </a:lnSpc>
@@ -4701,7 +4943,7 @@
             </a:endParaRPr>
           </a:p>
           <a:p>
-            <a:pPr lvl="1" marL="864000" indent="-323640">
+            <a:pPr lvl="1" marL="864000" indent="-323280">
               <a:lnSpc>
                 <a:spcPct val="100000"/>
               </a:lnSpc>
@@ -4730,7 +4972,7 @@
             </a:endParaRPr>
           </a:p>
           <a:p>
-            <a:pPr lvl="1" marL="864000" indent="-323640">
+            <a:pPr lvl="1" marL="864000" indent="-323280">
               <a:lnSpc>
                 <a:spcPct val="100000"/>
               </a:lnSpc>
@@ -4759,7 +5001,7 @@
             </a:endParaRPr>
           </a:p>
           <a:p>
-            <a:pPr lvl="1" marL="864000" indent="-323640">
+            <a:pPr lvl="1" marL="864000" indent="-323280">
               <a:lnSpc>
                 <a:spcPct val="100000"/>
               </a:lnSpc>
@@ -4788,7 +5030,7 @@
             </a:endParaRPr>
           </a:p>
           <a:p>
-            <a:pPr marL="432000" indent="-323640">
+            <a:pPr marL="432000" indent="-323280">
               <a:lnSpc>
                 <a:spcPct val="100000"/>
               </a:lnSpc>
@@ -4817,7 +5059,7 @@
             </a:endParaRPr>
           </a:p>
           <a:p>
-            <a:pPr lvl="1" marL="864000" indent="-323640">
+            <a:pPr lvl="1" marL="864000" indent="-323280">
               <a:lnSpc>
                 <a:spcPct val="100000"/>
               </a:lnSpc>
@@ -4846,7 +5088,7 @@
             </a:endParaRPr>
           </a:p>
           <a:p>
-            <a:pPr lvl="1" marL="864000" indent="-323640">
+            <a:pPr lvl="1" marL="864000" indent="-323280">
               <a:lnSpc>
                 <a:spcPct val="100000"/>
               </a:lnSpc>
@@ -4875,7 +5117,7 @@
             </a:endParaRPr>
           </a:p>
           <a:p>
-            <a:pPr lvl="1" marL="864000" indent="-323640">
+            <a:pPr lvl="1" marL="864000" indent="-323280">
               <a:lnSpc>
                 <a:spcPct val="100000"/>
               </a:lnSpc>
@@ -4963,7 +5205,7 @@
         <p:spPr>
           <a:xfrm>
             <a:off x="504000" y="216000"/>
-            <a:ext cx="7019640" cy="935640"/>
+            <a:ext cx="7019280" cy="935280"/>
           </a:xfrm>
           <a:prstGeom prst="rect">
             <a:avLst/>
@@ -5022,7 +5264,7 @@
         <p:spPr>
           <a:xfrm>
             <a:off x="504000" y="1368000"/>
-            <a:ext cx="9071640" cy="3287880"/>
+            <a:ext cx="9071280" cy="3287520"/>
           </a:xfrm>
           <a:prstGeom prst="rect">
             <a:avLst/>
@@ -5043,7 +5285,7 @@
             <a:normAutofit/>
           </a:bodyPr>
           <a:p>
-            <a:pPr marL="432000" indent="-323640">
+            <a:pPr marL="432000" indent="-323280">
               <a:lnSpc>
                 <a:spcPct val="100000"/>
               </a:lnSpc>
@@ -5072,7 +5314,7 @@
             </a:endParaRPr>
           </a:p>
           <a:p>
-            <a:pPr marL="432000" indent="-323640">
+            <a:pPr marL="432000" indent="-323280">
               <a:lnSpc>
                 <a:spcPct val="100000"/>
               </a:lnSpc>
@@ -5101,7 +5343,7 @@
             </a:endParaRPr>
           </a:p>
           <a:p>
-            <a:pPr marL="432000" indent="-323640">
+            <a:pPr marL="432000" indent="-323280">
               <a:lnSpc>
                 <a:spcPct val="100000"/>
               </a:lnSpc>
@@ -5130,7 +5372,7 @@
             </a:endParaRPr>
           </a:p>
           <a:p>
-            <a:pPr marL="432000" indent="-323640">
+            <a:pPr marL="432000" indent="-323280">
               <a:lnSpc>
                 <a:spcPct val="100000"/>
               </a:lnSpc>
@@ -5159,19 +5401,13 @@
             </a:endParaRPr>
           </a:p>
           <a:p>
-            <a:pPr lvl="1" marL="864000" indent="-323640">
+            <a:pPr>
               <a:lnSpc>
                 <a:spcPct val="100000"/>
               </a:lnSpc>
               <a:spcAft>
                 <a:spcPts val="918"/>
               </a:spcAft>
-              <a:buClr>
-                <a:srgbClr val="000000"/>
-              </a:buClr>
-              <a:buSzPct val="75000"/>
-              <a:buFont typeface="Symbol"/>
-              <a:buChar char=""/>
             </a:pPr>
             <a:endParaRPr b="0" lang="en-US" sz="2600" spc="-1" strike="noStrike">
               <a:latin typeface="Arial"/>
@@ -5237,7 +5473,7 @@
         <p:spPr>
           <a:xfrm>
             <a:off x="504000" y="216000"/>
-            <a:ext cx="7019640" cy="935640"/>
+            <a:ext cx="7019280" cy="935280"/>
           </a:xfrm>
           <a:prstGeom prst="rect">
             <a:avLst/>
@@ -5296,7 +5532,7 @@
         <p:spPr>
           <a:xfrm>
             <a:off x="504000" y="1368000"/>
-            <a:ext cx="9071640" cy="3287880"/>
+            <a:ext cx="9071280" cy="3287520"/>
           </a:xfrm>
           <a:prstGeom prst="rect">
             <a:avLst/>
@@ -5317,7 +5553,7 @@
             <a:normAutofit/>
           </a:bodyPr>
           <a:p>
-            <a:pPr marL="432000" indent="-323640">
+            <a:pPr marL="432000" indent="-323280">
               <a:lnSpc>
                 <a:spcPct val="100000"/>
               </a:lnSpc>
@@ -5346,7 +5582,7 @@
             </a:endParaRPr>
           </a:p>
           <a:p>
-            <a:pPr marL="432000" indent="-323640">
+            <a:pPr marL="432000" indent="-323280">
               <a:lnSpc>
                 <a:spcPct val="100000"/>
               </a:lnSpc>
@@ -5375,7 +5611,7 @@
             </a:endParaRPr>
           </a:p>
           <a:p>
-            <a:pPr marL="432000" indent="-323640">
+            <a:pPr marL="432000" indent="-323280">
               <a:lnSpc>
                 <a:spcPct val="100000"/>
               </a:lnSpc>
@@ -5404,19 +5640,13 @@
             </a:endParaRPr>
           </a:p>
           <a:p>
-            <a:pPr lvl="1" marL="864000" indent="-323640">
+            <a:pPr>
               <a:lnSpc>
                 <a:spcPct val="100000"/>
               </a:lnSpc>
               <a:spcAft>
                 <a:spcPts val="918"/>
               </a:spcAft>
-              <a:buClr>
-                <a:srgbClr val="000000"/>
-              </a:buClr>
-              <a:buSzPct val="75000"/>
-              <a:buFont typeface="Symbol"/>
-              <a:buChar char=""/>
             </a:pPr>
             <a:endParaRPr b="0" lang="en-US" sz="2600" spc="-1" strike="noStrike">
               <a:latin typeface="Arial"/>
@@ -5482,7 +5712,7 @@
         <p:spPr>
           <a:xfrm>
             <a:off x="504000" y="216000"/>
-            <a:ext cx="7019640" cy="935640"/>
+            <a:ext cx="7019280" cy="935280"/>
           </a:xfrm>
           <a:prstGeom prst="rect">
             <a:avLst/>
@@ -5531,7 +5761,7 @@
         <p:spPr>
           <a:xfrm>
             <a:off x="504000" y="1368000"/>
-            <a:ext cx="9071640" cy="3287880"/>
+            <a:ext cx="9071280" cy="3287520"/>
           </a:xfrm>
           <a:prstGeom prst="rect">
             <a:avLst/>
@@ -5552,7 +5782,7 @@
             <a:normAutofit/>
           </a:bodyPr>
           <a:p>
-            <a:pPr marL="432000" indent="-323640">
+            <a:pPr marL="432000" indent="-323280">
               <a:lnSpc>
                 <a:spcPct val="100000"/>
               </a:lnSpc>
@@ -5581,7 +5811,7 @@
             </a:endParaRPr>
           </a:p>
           <a:p>
-            <a:pPr lvl="1" marL="864000" indent="-323640">
+            <a:pPr lvl="1" marL="864000" indent="-323280">
               <a:lnSpc>
                 <a:spcPct val="100000"/>
               </a:lnSpc>
@@ -5610,7 +5840,7 @@
             </a:endParaRPr>
           </a:p>
           <a:p>
-            <a:pPr lvl="2" marL="1296000" indent="-287640">
+            <a:pPr lvl="2" marL="1296000" indent="-287280">
               <a:lnSpc>
                 <a:spcPct val="100000"/>
               </a:lnSpc>
@@ -5639,7 +5869,7 @@
             </a:endParaRPr>
           </a:p>
           <a:p>
-            <a:pPr lvl="2" marL="1296000" indent="-287640">
+            <a:pPr lvl="2" marL="1296000" indent="-287280">
               <a:lnSpc>
                 <a:spcPct val="100000"/>
               </a:lnSpc>
@@ -5668,7 +5898,7 @@
             </a:endParaRPr>
           </a:p>
           <a:p>
-            <a:pPr lvl="2" marL="1296000" indent="-287640">
+            <a:pPr lvl="2" marL="1296000" indent="-287280">
               <a:lnSpc>
                 <a:spcPct val="100000"/>
               </a:lnSpc>
@@ -5697,7 +5927,7 @@
             </a:endParaRPr>
           </a:p>
           <a:p>
-            <a:pPr lvl="2" marL="1296000" indent="-287640">
+            <a:pPr lvl="2" marL="1296000" indent="-287280">
               <a:lnSpc>
                 <a:spcPct val="100000"/>
               </a:lnSpc>
@@ -5726,7 +5956,7 @@
             </a:endParaRPr>
           </a:p>
           <a:p>
-            <a:pPr marL="432000" indent="-323640">
+            <a:pPr marL="432000" indent="-323280">
               <a:lnSpc>
                 <a:spcPct val="100000"/>
               </a:lnSpc>
@@ -5755,7 +5985,7 @@
             </a:endParaRPr>
           </a:p>
           <a:p>
-            <a:pPr lvl="1" marL="864000" indent="-323640">
+            <a:pPr lvl="1" marL="864000" indent="-323280">
               <a:lnSpc>
                 <a:spcPct val="100000"/>
               </a:lnSpc>
@@ -5784,7 +6014,7 @@
             </a:endParaRPr>
           </a:p>
           <a:p>
-            <a:pPr lvl="2" marL="1296000" indent="-287640">
+            <a:pPr lvl="2" marL="1296000" indent="-287280">
               <a:lnSpc>
                 <a:spcPct val="100000"/>
               </a:lnSpc>
@@ -5813,7 +6043,7 @@
             </a:endParaRPr>
           </a:p>
           <a:p>
-            <a:pPr lvl="2" marL="1296000" indent="-287640">
+            <a:pPr lvl="2" marL="1296000" indent="-287280">
               <a:lnSpc>
                 <a:spcPct val="100000"/>
               </a:lnSpc>
@@ -5842,7 +6072,7 @@
             </a:endParaRPr>
           </a:p>
           <a:p>
-            <a:pPr lvl="2" marL="1296000" indent="-287640">
+            <a:pPr lvl="2" marL="1296000" indent="-287280">
               <a:lnSpc>
                 <a:spcPct val="100000"/>
               </a:lnSpc>
@@ -5871,7 +6101,7 @@
             </a:endParaRPr>
           </a:p>
           <a:p>
-            <a:pPr lvl="2" marL="1296000" indent="-287640">
+            <a:pPr lvl="2" marL="1296000" indent="-287280">
               <a:lnSpc>
                 <a:spcPct val="100000"/>
               </a:lnSpc>
@@ -5900,7 +6130,7 @@
             </a:endParaRPr>
           </a:p>
           <a:p>
-            <a:pPr lvl="1" marL="864000" indent="-323640">
+            <a:pPr lvl="1" marL="864000" indent="-323280">
               <a:lnSpc>
                 <a:spcPct val="100000"/>
               </a:lnSpc>
@@ -5929,7 +6159,7 @@
             </a:endParaRPr>
           </a:p>
           <a:p>
-            <a:pPr lvl="1" marL="864000" indent="-323640">
+            <a:pPr lvl="1" marL="864000" indent="-323280">
               <a:lnSpc>
                 <a:spcPct val="100000"/>
               </a:lnSpc>
@@ -6017,7 +6247,7 @@
         <p:spPr>
           <a:xfrm>
             <a:off x="504000" y="216000"/>
-            <a:ext cx="7019640" cy="935640"/>
+            <a:ext cx="7019280" cy="935280"/>
           </a:xfrm>
           <a:prstGeom prst="rect">
             <a:avLst/>
@@ -6066,7 +6296,7 @@
         <p:spPr>
           <a:xfrm>
             <a:off x="504000" y="1368000"/>
-            <a:ext cx="9071640" cy="3287880"/>
+            <a:ext cx="9071280" cy="3287520"/>
           </a:xfrm>
           <a:prstGeom prst="rect">
             <a:avLst/>
@@ -6087,7 +6317,7 @@
             <a:normAutofit/>
           </a:bodyPr>
           <a:p>
-            <a:pPr marL="432000" indent="-323640">
+            <a:pPr marL="432000" indent="-323280">
               <a:lnSpc>
                 <a:spcPct val="100000"/>
               </a:lnSpc>
@@ -6116,7 +6346,7 @@
             </a:endParaRPr>
           </a:p>
           <a:p>
-            <a:pPr lvl="1" marL="864000" indent="-323640">
+            <a:pPr lvl="1" marL="864000" indent="-323280">
               <a:lnSpc>
                 <a:spcPct val="100000"/>
               </a:lnSpc>
@@ -6145,7 +6375,7 @@
             </a:endParaRPr>
           </a:p>
           <a:p>
-            <a:pPr lvl="1" marL="864000" indent="-323640">
+            <a:pPr lvl="1" marL="864000" indent="-323280">
               <a:lnSpc>
                 <a:spcPct val="100000"/>
               </a:lnSpc>
@@ -6174,7 +6404,7 @@
             </a:endParaRPr>
           </a:p>
           <a:p>
-            <a:pPr lvl="1" marL="864000" indent="-323640">
+            <a:pPr lvl="1" marL="864000" indent="-323280">
               <a:lnSpc>
                 <a:spcPct val="100000"/>
               </a:lnSpc>
@@ -6203,7 +6433,7 @@
             </a:endParaRPr>
           </a:p>
           <a:p>
-            <a:pPr lvl="1" marL="864000" indent="-323640">
+            <a:pPr lvl="1" marL="864000" indent="-323280">
               <a:lnSpc>
                 <a:spcPct val="100000"/>
               </a:lnSpc>
@@ -6291,7 +6521,7 @@
         <p:spPr>
           <a:xfrm>
             <a:off x="504000" y="216000"/>
-            <a:ext cx="7019640" cy="935640"/>
+            <a:ext cx="7019280" cy="935280"/>
           </a:xfrm>
           <a:prstGeom prst="rect">
             <a:avLst/>
@@ -6340,7 +6570,7 @@
         <p:spPr>
           <a:xfrm>
             <a:off x="437760" y="1191240"/>
-            <a:ext cx="9071640" cy="3287880"/>
+            <a:ext cx="9071280" cy="3287520"/>
           </a:xfrm>
           <a:prstGeom prst="rect">
             <a:avLst/>
@@ -6400,7 +6630,7 @@
             </a:endParaRPr>
           </a:p>
           <a:p>
-            <a:pPr marL="432000" indent="-323640">
+            <a:pPr marL="432000" indent="-323280">
               <a:lnSpc>
                 <a:spcPct val="100000"/>
               </a:lnSpc>
@@ -6429,7 +6659,7 @@
             </a:endParaRPr>
           </a:p>
           <a:p>
-            <a:pPr lvl="1" marL="864000" indent="-323640">
+            <a:pPr lvl="1" marL="864000" indent="-323280">
               <a:lnSpc>
                 <a:spcPct val="100000"/>
               </a:lnSpc>
@@ -6532,7 +6762,7 @@
         <p:spPr>
           <a:xfrm>
             <a:off x="504000" y="216000"/>
-            <a:ext cx="7019640" cy="935640"/>
+            <a:ext cx="7019280" cy="935280"/>
           </a:xfrm>
           <a:prstGeom prst="rect">
             <a:avLst/>
@@ -6581,7 +6811,7 @@
         <p:spPr>
           <a:xfrm>
             <a:off x="504000" y="1368000"/>
-            <a:ext cx="9071640" cy="3287880"/>
+            <a:ext cx="9071280" cy="3287520"/>
           </a:xfrm>
           <a:prstGeom prst="rect">
             <a:avLst/>
@@ -6602,7 +6832,7 @@
             <a:normAutofit/>
           </a:bodyPr>
           <a:p>
-            <a:pPr marL="432000" indent="-323640">
+            <a:pPr marL="432000" indent="-323280">
               <a:lnSpc>
                 <a:spcPct val="100000"/>
               </a:lnSpc>
@@ -6644,7 +6874,7 @@
             </a:endParaRPr>
           </a:p>
           <a:p>
-            <a:pPr marL="432000" indent="-323640">
+            <a:pPr marL="432000" indent="-323280">
               <a:lnSpc>
                 <a:spcPct val="100000"/>
               </a:lnSpc>
@@ -6673,7 +6903,7 @@
             </a:endParaRPr>
           </a:p>
           <a:p>
-            <a:pPr marL="432000" indent="-323640">
+            <a:pPr marL="432000" indent="-323280">
               <a:lnSpc>
                 <a:spcPct val="100000"/>
               </a:lnSpc>
@@ -6702,7 +6932,7 @@
             </a:endParaRPr>
           </a:p>
           <a:p>
-            <a:pPr lvl="1" marL="864000" indent="-323640">
+            <a:pPr lvl="1" marL="864000" indent="-323280">
               <a:lnSpc>
                 <a:spcPct val="100000"/>
               </a:lnSpc>
@@ -6790,7 +7020,7 @@
         <p:spPr>
           <a:xfrm>
             <a:off x="504000" y="216000"/>
-            <a:ext cx="7019640" cy="935640"/>
+            <a:ext cx="7019280" cy="935280"/>
           </a:xfrm>
           <a:prstGeom prst="rect">
             <a:avLst/>
@@ -6839,7 +7069,7 @@
         <p:spPr>
           <a:xfrm>
             <a:off x="504000" y="1368000"/>
-            <a:ext cx="9071640" cy="3287880"/>
+            <a:ext cx="9071280" cy="3287520"/>
           </a:xfrm>
           <a:prstGeom prst="rect">
             <a:avLst/>
@@ -6860,7 +7090,7 @@
             <a:normAutofit/>
           </a:bodyPr>
           <a:p>
-            <a:pPr marL="432000" indent="-323640">
+            <a:pPr marL="432000" indent="-323280">
               <a:lnSpc>
                 <a:spcPct val="100000"/>
               </a:lnSpc>
@@ -6889,7 +7119,7 @@
             </a:endParaRPr>
           </a:p>
           <a:p>
-            <a:pPr lvl="1" marL="864000" indent="-323640">
+            <a:pPr lvl="1" marL="864000" indent="-323280">
               <a:lnSpc>
                 <a:spcPct val="100000"/>
               </a:lnSpc>
@@ -6918,7 +7148,7 @@
             </a:endParaRPr>
           </a:p>
           <a:p>
-            <a:pPr lvl="1" marL="864000" indent="-323640">
+            <a:pPr lvl="1" marL="864000" indent="-323280">
               <a:lnSpc>
                 <a:spcPct val="100000"/>
               </a:lnSpc>
@@ -6947,7 +7177,7 @@
             </a:endParaRPr>
           </a:p>
           <a:p>
-            <a:pPr lvl="1" marL="864000" indent="-323640">
+            <a:pPr lvl="1" marL="864000" indent="-323280">
               <a:lnSpc>
                 <a:spcPct val="100000"/>
               </a:lnSpc>
@@ -6989,7 +7219,7 @@
             </a:endParaRPr>
           </a:p>
           <a:p>
-            <a:pPr lvl="1" marL="864000" indent="-323640">
+            <a:pPr lvl="1" marL="864000" indent="-323280">
               <a:lnSpc>
                 <a:spcPct val="100000"/>
               </a:lnSpc>
@@ -7018,7 +7248,7 @@
             </a:endParaRPr>
           </a:p>
           <a:p>
-            <a:pPr lvl="1" marL="864000" indent="-323640">
+            <a:pPr lvl="1" marL="864000" indent="-323280">
               <a:lnSpc>
                 <a:spcPct val="100000"/>
               </a:lnSpc>
@@ -7047,7 +7277,7 @@
             </a:endParaRPr>
           </a:p>
           <a:p>
-            <a:pPr lvl="1" marL="864000" indent="-323640">
+            <a:pPr lvl="1" marL="864000" indent="-323280">
               <a:lnSpc>
                 <a:spcPct val="100000"/>
               </a:lnSpc>
@@ -7076,7 +7306,7 @@
             </a:endParaRPr>
           </a:p>
           <a:p>
-            <a:pPr lvl="1" marL="864000" indent="-323640">
+            <a:pPr lvl="1" marL="864000" indent="-323280">
               <a:lnSpc>
                 <a:spcPct val="100000"/>
               </a:lnSpc>
@@ -7105,7 +7335,7 @@
             </a:endParaRPr>
           </a:p>
           <a:p>
-            <a:pPr lvl="1" marL="864000" indent="-323640">
+            <a:pPr lvl="1" marL="864000" indent="-323280">
               <a:lnSpc>
                 <a:spcPct val="100000"/>
               </a:lnSpc>
